--- a/slides/04-fpca.pptx
+++ b/slides/04-fpca.pptx
@@ -11,7 +11,7 @@
     <p:sldId id="256" r:id="rId2"/>
     <p:sldId id="257" r:id="rId3"/>
     <p:sldId id="258" r:id="rId4"/>
-    <p:sldId id="259" r:id="rId5"/>
+    <p:sldId id="304" r:id="rId5"/>
     <p:sldId id="260" r:id="rId6"/>
     <p:sldId id="261" r:id="rId7"/>
     <p:sldId id="262" r:id="rId8"/>
@@ -212,7 +212,7 @@
           <a:p>
             <a:fld id="{C3BDFCC3-9444-904F-8BDC-F0A1FF6E28DC}" type="datetimeFigureOut">
               <a:rPr lang="en-GB" smtClean="0"/>
-              <a:t>14/07/2024</a:t>
+              <a:t>20/11/2024</a:t>
             </a:fld>
             <a:endParaRPr lang="en-GB"/>
           </a:p>
@@ -862,7 +862,7 @@
           <a:p>
             <a:fld id="{C6CF10CA-94B3-504B-A812-19B0C18E6A91}" type="datetimeFigureOut">
               <a:rPr lang="en-GB" smtClean="0"/>
-              <a:t>14/07/2024</a:t>
+              <a:t>20/11/2024</a:t>
             </a:fld>
             <a:endParaRPr lang="en-GB"/>
           </a:p>
@@ -1032,7 +1032,7 @@
           <a:p>
             <a:fld id="{C6CF10CA-94B3-504B-A812-19B0C18E6A91}" type="datetimeFigureOut">
               <a:rPr lang="en-GB" smtClean="0"/>
-              <a:t>14/07/2024</a:t>
+              <a:t>20/11/2024</a:t>
             </a:fld>
             <a:endParaRPr lang="en-GB"/>
           </a:p>
@@ -1212,7 +1212,7 @@
           <a:p>
             <a:fld id="{C6CF10CA-94B3-504B-A812-19B0C18E6A91}" type="datetimeFigureOut">
               <a:rPr lang="en-GB" smtClean="0"/>
-              <a:t>14/07/2024</a:t>
+              <a:t>20/11/2024</a:t>
             </a:fld>
             <a:endParaRPr lang="en-GB"/>
           </a:p>
@@ -1382,7 +1382,7 @@
           <a:p>
             <a:fld id="{C6CF10CA-94B3-504B-A812-19B0C18E6A91}" type="datetimeFigureOut">
               <a:rPr lang="en-GB" smtClean="0"/>
-              <a:t>14/07/2024</a:t>
+              <a:t>20/11/2024</a:t>
             </a:fld>
             <a:endParaRPr lang="en-GB"/>
           </a:p>
@@ -1628,7 +1628,7 @@
           <a:p>
             <a:fld id="{C6CF10CA-94B3-504B-A812-19B0C18E6A91}" type="datetimeFigureOut">
               <a:rPr lang="en-GB" smtClean="0"/>
-              <a:t>14/07/2024</a:t>
+              <a:t>20/11/2024</a:t>
             </a:fld>
             <a:endParaRPr lang="en-GB"/>
           </a:p>
@@ -1860,7 +1860,7 @@
           <a:p>
             <a:fld id="{C6CF10CA-94B3-504B-A812-19B0C18E6A91}" type="datetimeFigureOut">
               <a:rPr lang="en-GB" smtClean="0"/>
-              <a:t>14/07/2024</a:t>
+              <a:t>20/11/2024</a:t>
             </a:fld>
             <a:endParaRPr lang="en-GB"/>
           </a:p>
@@ -2227,7 +2227,7 @@
           <a:p>
             <a:fld id="{C6CF10CA-94B3-504B-A812-19B0C18E6A91}" type="datetimeFigureOut">
               <a:rPr lang="en-GB" smtClean="0"/>
-              <a:t>14/07/2024</a:t>
+              <a:t>20/11/2024</a:t>
             </a:fld>
             <a:endParaRPr lang="en-GB"/>
           </a:p>
@@ -2345,7 +2345,7 @@
           <a:p>
             <a:fld id="{C6CF10CA-94B3-504B-A812-19B0C18E6A91}" type="datetimeFigureOut">
               <a:rPr lang="en-GB" smtClean="0"/>
-              <a:t>14/07/2024</a:t>
+              <a:t>20/11/2024</a:t>
             </a:fld>
             <a:endParaRPr lang="en-GB"/>
           </a:p>
@@ -2440,7 +2440,7 @@
           <a:p>
             <a:fld id="{C6CF10CA-94B3-504B-A812-19B0C18E6A91}" type="datetimeFigureOut">
               <a:rPr lang="en-GB" smtClean="0"/>
-              <a:t>14/07/2024</a:t>
+              <a:t>20/11/2024</a:t>
             </a:fld>
             <a:endParaRPr lang="en-GB"/>
           </a:p>
@@ -2717,7 +2717,7 @@
           <a:p>
             <a:fld id="{C6CF10CA-94B3-504B-A812-19B0C18E6A91}" type="datetimeFigureOut">
               <a:rPr lang="en-GB" smtClean="0"/>
-              <a:t>14/07/2024</a:t>
+              <a:t>20/11/2024</a:t>
             </a:fld>
             <a:endParaRPr lang="en-GB"/>
           </a:p>
@@ -2974,7 +2974,7 @@
           <a:p>
             <a:fld id="{C6CF10CA-94B3-504B-A812-19B0C18E6A91}" type="datetimeFigureOut">
               <a:rPr lang="en-GB" smtClean="0"/>
-              <a:t>14/07/2024</a:t>
+              <a:t>20/11/2024</a:t>
             </a:fld>
             <a:endParaRPr lang="en-GB"/>
           </a:p>
@@ -3187,7 +3187,7 @@
           <a:p>
             <a:fld id="{C6CF10CA-94B3-504B-A812-19B0C18E6A91}" type="datetimeFigureOut">
               <a:rPr lang="en-GB" smtClean="0"/>
-              <a:t>14/07/2024</a:t>
+              <a:t>20/11/2024</a:t>
             </a:fld>
             <a:endParaRPr lang="en-GB"/>
           </a:p>
@@ -18549,8 +18549,8 @@
           </a:p>
         </p:txBody>
       </p:sp>
-      <mc:AlternateContent xmlns:mc="http://schemas.openxmlformats.org/markup-compatibility/2006">
-        <mc:Choice xmlns:a14="http://schemas.microsoft.com/office/drawing/2010/main" Requires="a14">
+      <mc:AlternateContent xmlns:mc="http://schemas.openxmlformats.org/markup-compatibility/2006" xmlns:a14="http://schemas.microsoft.com/office/drawing/2010/main">
+        <mc:Choice Requires="a14">
           <p:sp>
             <p:nvSpPr>
               <p:cNvPr id="3" name="Content Placeholder 2">
@@ -18675,7 +18675,7 @@
             </p:txBody>
           </p:sp>
         </mc:Choice>
-        <mc:Fallback>
+        <mc:Fallback xmlns="">
           <p:sp>
             <p:nvSpPr>
               <p:cNvPr id="3" name="Content Placeholder 2">
@@ -19291,8 +19291,8 @@
           </a:p>
         </p:txBody>
       </p:sp>
-      <mc:AlternateContent xmlns:mc="http://schemas.openxmlformats.org/markup-compatibility/2006">
-        <mc:Choice xmlns:a14="http://schemas.microsoft.com/office/drawing/2010/main" Requires="a14">
+      <mc:AlternateContent xmlns:mc="http://schemas.openxmlformats.org/markup-compatibility/2006" xmlns:a14="http://schemas.microsoft.com/office/drawing/2010/main">
+        <mc:Choice Requires="a14">
           <p:sp>
             <p:nvSpPr>
               <p:cNvPr id="3" name="Content Placeholder 2">
@@ -19525,7 +19525,7 @@
             </p:txBody>
           </p:sp>
         </mc:Choice>
-        <mc:Fallback>
+        <mc:Fallback xmlns="">
           <p:sp>
             <p:nvSpPr>
               <p:cNvPr id="3" name="Content Placeholder 2">
@@ -20008,106 +20008,7 @@
               <a:p>
                 <a:r>
                   <a:rPr lang="en-GB" dirty="0"/>
-                  <a:t>Can be used to reduce a set of functional data </a:t>
-                </a:r>
-                <a14:m>
-                  <m:oMath xmlns:m="http://schemas.openxmlformats.org/officeDocument/2006/math">
-                    <m:sSub>
-                      <m:sSubPr>
-                        <m:ctrlPr>
-                          <a:rPr lang="en-IE" b="0" i="1" smtClean="0">
-                            <a:latin typeface="Cambria Math" panose="02040503050406030204" pitchFamily="18" charset="0"/>
-                          </a:rPr>
-                        </m:ctrlPr>
-                      </m:sSubPr>
-                      <m:e>
-                        <m:r>
-                          <a:rPr lang="en-IE" b="0" i="1" smtClean="0">
-                            <a:latin typeface="Cambria Math" panose="02040503050406030204" pitchFamily="18" charset="0"/>
-                          </a:rPr>
-                          <m:t>𝑥</m:t>
-                        </m:r>
-                      </m:e>
-                      <m:sub>
-                        <m:r>
-                          <a:rPr lang="en-IE" b="0" i="1" smtClean="0">
-                            <a:latin typeface="Cambria Math" panose="02040503050406030204" pitchFamily="18" charset="0"/>
-                          </a:rPr>
-                          <m:t>1</m:t>
-                        </m:r>
-                      </m:sub>
-                    </m:sSub>
-                    <m:d>
-                      <m:dPr>
-                        <m:ctrlPr>
-                          <a:rPr lang="en-IE" b="0" i="1" smtClean="0">
-                            <a:latin typeface="Cambria Math" panose="02040503050406030204" pitchFamily="18" charset="0"/>
-                          </a:rPr>
-                        </m:ctrlPr>
-                      </m:dPr>
-                      <m:e>
-                        <m:r>
-                          <a:rPr lang="en-IE" b="0" i="1" smtClean="0">
-                            <a:latin typeface="Cambria Math" panose="02040503050406030204" pitchFamily="18" charset="0"/>
-                          </a:rPr>
-                          <m:t>𝑡</m:t>
-                        </m:r>
-                      </m:e>
-                    </m:d>
-                    <m:r>
-                      <a:rPr lang="en-IE" b="0" i="1" smtClean="0">
-                        <a:latin typeface="Cambria Math" panose="02040503050406030204" pitchFamily="18" charset="0"/>
-                      </a:rPr>
-                      <m:t>, …,</m:t>
-                    </m:r>
-                    <m:sSub>
-                      <m:sSubPr>
-                        <m:ctrlPr>
-                          <a:rPr lang="en-IE" b="0" i="1" smtClean="0">
-                            <a:latin typeface="Cambria Math" panose="02040503050406030204" pitchFamily="18" charset="0"/>
-                          </a:rPr>
-                        </m:ctrlPr>
-                      </m:sSubPr>
-                      <m:e>
-                        <m:r>
-                          <a:rPr lang="en-IE" b="0" i="1" smtClean="0">
-                            <a:latin typeface="Cambria Math" panose="02040503050406030204" pitchFamily="18" charset="0"/>
-                          </a:rPr>
-                          <m:t>𝑥</m:t>
-                        </m:r>
-                      </m:e>
-                      <m:sub>
-                        <m:r>
-                          <a:rPr lang="en-IE" b="0" i="1" smtClean="0">
-                            <a:latin typeface="Cambria Math" panose="02040503050406030204" pitchFamily="18" charset="0"/>
-                          </a:rPr>
-                          <m:t>𝑁</m:t>
-                        </m:r>
-                      </m:sub>
-                    </m:sSub>
-                    <m:r>
-                      <a:rPr lang="en-IE" b="0" i="1" smtClean="0">
-                        <a:latin typeface="Cambria Math" panose="02040503050406030204" pitchFamily="18" charset="0"/>
-                      </a:rPr>
-                      <m:t>(</m:t>
-                    </m:r>
-                    <m:r>
-                      <a:rPr lang="en-IE" b="0" i="1" smtClean="0">
-                        <a:latin typeface="Cambria Math" panose="02040503050406030204" pitchFamily="18" charset="0"/>
-                      </a:rPr>
-                      <m:t>𝑡</m:t>
-                    </m:r>
-                    <m:r>
-                      <a:rPr lang="en-IE" b="0" i="1" smtClean="0">
-                        <a:latin typeface="Cambria Math" panose="02040503050406030204" pitchFamily="18" charset="0"/>
-                      </a:rPr>
-                      <m:t>)</m:t>
-                    </m:r>
-                  </m:oMath>
-                </a14:m>
-                <a:r>
-                  <a:rPr lang="en-GB" dirty="0"/>
-                  <a:t> into a new basis representation:</a:t>
+                  <a:t>Can be used to reduce functional data into a new basis representation:</a:t>
                 </a:r>
               </a:p>
               <a:p>
@@ -20387,7 +20288,7 @@
               <a:blipFill>
                 <a:blip r:embed="rId2"/>
                 <a:stretch>
-                  <a:fillRect l="-1086" t="-2326" r="-724"/>
+                  <a:fillRect l="-1086" t="-2326"/>
                 </a:stretch>
               </a:blipFill>
             </p:spPr>
@@ -20396,7 +20297,7 @@
               <a:lstStyle/>
               <a:p>
                 <a:r>
-                  <a:rPr lang="en-GB">
+                  <a:rPr lang="en-US">
                     <a:noFill/>
                   </a:rPr>
                   <a:t> </a:t>
@@ -20716,7 +20617,7 @@
           <p:cNvPr id="2" name="Title 1">
             <a:extLst>
               <a:ext uri="{FF2B5EF4-FFF2-40B4-BE49-F238E27FC236}">
-                <a16:creationId xmlns:a16="http://schemas.microsoft.com/office/drawing/2014/main" id="{E25DE0E7-BA4C-E601-5EA0-B61B4D402C1D}"/>
+                <a16:creationId xmlns:a16="http://schemas.microsoft.com/office/drawing/2014/main" id="{57FAAE37-EB71-D9D9-46D5-0E253E776897}"/>
               </a:ext>
             </a:extLst>
           </p:cNvPr>
@@ -20733,654 +20634,1831 @@
           <a:lstStyle/>
           <a:p>
             <a:r>
-              <a:rPr lang="en-GB" dirty="0"/>
-              <a:t>Technical Details of FPCA</a:t>
+              <a:rPr lang="en-US" dirty="0"/>
+              <a:t>Multivariate vs Functional PCA</a:t>
             </a:r>
           </a:p>
         </p:txBody>
       </p:sp>
-      <mc:AlternateContent xmlns:mc="http://schemas.openxmlformats.org/markup-compatibility/2006" xmlns:a14="http://schemas.microsoft.com/office/drawing/2010/main">
-        <mc:Choice Requires="a14">
-          <p:sp>
-            <p:nvSpPr>
-              <p:cNvPr id="3" name="Content Placeholder 2">
+      <mc:AlternateContent xmlns:mc="http://schemas.openxmlformats.org/markup-compatibility/2006">
+        <mc:Choice xmlns:a14="http://schemas.microsoft.com/office/drawing/2010/main" Requires="a14">
+          <p:graphicFrame>
+            <p:nvGraphicFramePr>
+              <p:cNvPr id="4" name="Content Placeholder 3">
                 <a:extLst>
                   <a:ext uri="{FF2B5EF4-FFF2-40B4-BE49-F238E27FC236}">
-                    <a16:creationId xmlns:a16="http://schemas.microsoft.com/office/drawing/2014/main" id="{79ECB5CE-9DAD-2B1E-F379-9F851125D5F5}"/>
+                    <a16:creationId xmlns:a16="http://schemas.microsoft.com/office/drawing/2014/main" id="{DE34E22A-1E54-4716-DC81-CB06447BC215}"/>
                   </a:ext>
                 </a:extLst>
               </p:cNvPr>
-              <p:cNvSpPr>
-                <a:spLocks noGrp="1"/>
-              </p:cNvSpPr>
+              <p:cNvGraphicFramePr>
+                <a:graphicFrameLocks noGrp="1"/>
+              </p:cNvGraphicFramePr>
               <p:nvPr>
                 <p:ph idx="1"/>
+                <p:extLst>
+                  <p:ext uri="{D42A27DB-BD31-4B8C-83A1-F6EECF244321}">
+                    <p14:modId xmlns:p14="http://schemas.microsoft.com/office/powerpoint/2010/main" val="4161775533"/>
+                  </p:ext>
+                </p:extLst>
               </p:nvPr>
-            </p:nvSpPr>
-            <p:spPr>
-              <a:xfrm>
-                <a:off x="838200" y="1498600"/>
-                <a:ext cx="10515600" cy="4678363"/>
-              </a:xfrm>
-            </p:spPr>
-            <p:txBody>
-              <a:bodyPr/>
-              <a:lstStyle/>
-              <a:p>
-                <a:r>
-                  <a:rPr lang="en-GB" dirty="0"/>
-                  <a:t>Sample mean function: </a:t>
-                </a:r>
-                <a14:m>
-                  <m:oMath xmlns:m="http://schemas.openxmlformats.org/officeDocument/2006/math">
-                    <m:acc>
-                      <m:accPr>
-                        <m:chr m:val="̅"/>
-                        <m:ctrlPr>
-                          <a:rPr lang="en-IE" b="0" i="1" smtClean="0">
-                            <a:latin typeface="Cambria Math" panose="02040503050406030204" pitchFamily="18" charset="0"/>
-                          </a:rPr>
-                        </m:ctrlPr>
-                      </m:accPr>
-                      <m:e>
-                        <m:r>
-                          <a:rPr lang="en-IE" b="0" i="1" smtClean="0">
-                            <a:latin typeface="Cambria Math" panose="02040503050406030204" pitchFamily="18" charset="0"/>
-                          </a:rPr>
-                          <m:t>𝑥</m:t>
-                        </m:r>
-                      </m:e>
-                    </m:acc>
-                    <m:d>
-                      <m:dPr>
-                        <m:ctrlPr>
-                          <a:rPr lang="en-IE" b="0" i="1" dirty="0" smtClean="0">
-                            <a:latin typeface="Cambria Math" panose="02040503050406030204" pitchFamily="18" charset="0"/>
-                          </a:rPr>
-                        </m:ctrlPr>
-                      </m:dPr>
-                      <m:e>
-                        <m:r>
-                          <a:rPr lang="en-IE" b="0" i="1" dirty="0" smtClean="0">
-                            <a:latin typeface="Cambria Math" panose="02040503050406030204" pitchFamily="18" charset="0"/>
-                          </a:rPr>
-                          <m:t>𝑡</m:t>
-                        </m:r>
-                      </m:e>
-                    </m:d>
-                    <m:r>
-                      <a:rPr lang="en-IE" b="0" i="1" dirty="0" smtClean="0">
-                        <a:latin typeface="Cambria Math" panose="02040503050406030204" pitchFamily="18" charset="0"/>
-                      </a:rPr>
-                      <m:t>= </m:t>
-                    </m:r>
-                    <m:nary>
-                      <m:naryPr>
-                        <m:chr m:val="∑"/>
-                        <m:ctrlPr>
-                          <a:rPr lang="en-IE" b="0" i="1" dirty="0" smtClean="0">
-                            <a:latin typeface="Cambria Math" panose="02040503050406030204" pitchFamily="18" charset="0"/>
-                          </a:rPr>
-                        </m:ctrlPr>
-                      </m:naryPr>
-                      <m:sub>
-                        <m:r>
-                          <m:rPr>
-                            <m:brk m:alnAt="23"/>
-                          </m:rPr>
-                          <a:rPr lang="en-IE" b="0" i="1" dirty="0" smtClean="0">
-                            <a:latin typeface="Cambria Math" panose="02040503050406030204" pitchFamily="18" charset="0"/>
-                          </a:rPr>
-                          <m:t>𝑖</m:t>
-                        </m:r>
-                        <m:r>
-                          <a:rPr lang="en-IE" b="0" i="1" dirty="0" smtClean="0">
-                            <a:latin typeface="Cambria Math" panose="02040503050406030204" pitchFamily="18" charset="0"/>
-                          </a:rPr>
-                          <m:t>=1</m:t>
-                        </m:r>
-                      </m:sub>
-                      <m:sup>
-                        <m:r>
-                          <a:rPr lang="en-IE" b="0" i="1" dirty="0" smtClean="0">
-                            <a:latin typeface="Cambria Math" panose="02040503050406030204" pitchFamily="18" charset="0"/>
-                          </a:rPr>
-                          <m:t>𝑁</m:t>
-                        </m:r>
-                      </m:sup>
-                      <m:e>
-                        <m:sSub>
-                          <m:sSubPr>
-                            <m:ctrlPr>
-                              <a:rPr lang="en-IE" b="0" i="1" dirty="0" smtClean="0">
-                                <a:latin typeface="Cambria Math" panose="02040503050406030204" pitchFamily="18" charset="0"/>
-                              </a:rPr>
-                            </m:ctrlPr>
-                          </m:sSubPr>
-                          <m:e>
-                            <m:r>
-                              <a:rPr lang="en-IE" b="0" i="1" dirty="0" smtClean="0">
-                                <a:latin typeface="Cambria Math" panose="02040503050406030204" pitchFamily="18" charset="0"/>
-                              </a:rPr>
-                              <m:t>𝑥</m:t>
-                            </m:r>
-                          </m:e>
-                          <m:sub>
-                            <m:r>
-                              <a:rPr lang="en-IE" b="0" i="1" dirty="0" smtClean="0">
-                                <a:latin typeface="Cambria Math" panose="02040503050406030204" pitchFamily="18" charset="0"/>
-                              </a:rPr>
-                              <m:t>𝑖</m:t>
-                            </m:r>
-                          </m:sub>
-                        </m:sSub>
-                        <m:r>
-                          <a:rPr lang="en-IE" b="0" i="1" dirty="0" smtClean="0">
-                            <a:latin typeface="Cambria Math" panose="02040503050406030204" pitchFamily="18" charset="0"/>
-                          </a:rPr>
-                          <m:t>(</m:t>
-                        </m:r>
-                        <m:r>
-                          <a:rPr lang="en-IE" b="0" i="1" dirty="0" smtClean="0">
-                            <a:latin typeface="Cambria Math" panose="02040503050406030204" pitchFamily="18" charset="0"/>
-                          </a:rPr>
-                          <m:t>𝑡</m:t>
-                        </m:r>
-                        <m:r>
-                          <a:rPr lang="en-IE" b="0" i="1" dirty="0" smtClean="0">
-                            <a:latin typeface="Cambria Math" panose="02040503050406030204" pitchFamily="18" charset="0"/>
-                          </a:rPr>
-                          <m:t>)</m:t>
-                        </m:r>
-                      </m:e>
-                    </m:nary>
-                  </m:oMath>
-                </a14:m>
-                <a:endParaRPr lang="en-GB" dirty="0"/>
-              </a:p>
-              <a:p>
-                <a:r>
-                  <a:rPr lang="en-GB" dirty="0"/>
-                  <a:t>Sample covariance function </a:t>
-                </a:r>
-              </a:p>
-              <a:p>
-                <a:pPr marL="0" indent="0" algn="ctr">
-                  <a:buNone/>
-                </a:pPr>
-                <a14:m>
-                  <m:oMath xmlns:m="http://schemas.openxmlformats.org/officeDocument/2006/math">
-                    <m:acc>
-                      <m:accPr>
-                        <m:chr m:val="̂"/>
-                        <m:ctrlPr>
-                          <a:rPr lang="en-IE" b="0" i="1" smtClean="0">
-                            <a:latin typeface="Cambria Math" panose="02040503050406030204" pitchFamily="18" charset="0"/>
-                          </a:rPr>
-                        </m:ctrlPr>
-                      </m:accPr>
-                      <m:e>
-                        <m:r>
-                          <m:rPr>
-                            <m:sty m:val="p"/>
-                          </m:rPr>
-                          <a:rPr lang="en-IE">
-                            <a:latin typeface="Cambria Math" panose="02040503050406030204" pitchFamily="18" charset="0"/>
-                          </a:rPr>
-                          <m:t>Cov</m:t>
-                        </m:r>
-                      </m:e>
-                    </m:acc>
-                    <m:d>
-                      <m:dPr>
-                        <m:ctrlPr>
-                          <a:rPr lang="en-IE" b="0" i="1" smtClean="0">
-                            <a:latin typeface="Cambria Math" panose="02040503050406030204" pitchFamily="18" charset="0"/>
-                          </a:rPr>
-                        </m:ctrlPr>
-                      </m:dPr>
-                      <m:e>
-                        <m:r>
-                          <a:rPr lang="en-IE" b="0" i="1" smtClean="0">
-                            <a:latin typeface="Cambria Math" panose="02040503050406030204" pitchFamily="18" charset="0"/>
-                          </a:rPr>
-                          <m:t>𝑠</m:t>
-                        </m:r>
-                        <m:r>
-                          <a:rPr lang="en-IE" b="0" i="1" smtClean="0">
-                            <a:latin typeface="Cambria Math" panose="02040503050406030204" pitchFamily="18" charset="0"/>
-                          </a:rPr>
-                          <m:t>, </m:t>
-                        </m:r>
-                        <m:r>
-                          <a:rPr lang="en-IE" b="0" i="1" smtClean="0">
-                            <a:latin typeface="Cambria Math" panose="02040503050406030204" pitchFamily="18" charset="0"/>
-                          </a:rPr>
-                          <m:t>𝑡</m:t>
-                        </m:r>
-                      </m:e>
-                    </m:d>
-                    <m:r>
-                      <a:rPr lang="en-IE" b="0" i="1" smtClean="0">
-                        <a:latin typeface="Cambria Math" panose="02040503050406030204" pitchFamily="18" charset="0"/>
-                      </a:rPr>
-                      <m:t>=</m:t>
-                    </m:r>
-                    <m:nary>
-                      <m:naryPr>
-                        <m:chr m:val="∑"/>
-                        <m:ctrlPr>
-                          <a:rPr lang="en-IE" i="1" dirty="0">
-                            <a:latin typeface="Cambria Math" panose="02040503050406030204" pitchFamily="18" charset="0"/>
-                          </a:rPr>
-                        </m:ctrlPr>
-                      </m:naryPr>
-                      <m:sub>
-                        <m:r>
-                          <m:rPr>
-                            <m:brk m:alnAt="23"/>
-                          </m:rPr>
-                          <a:rPr lang="en-IE" i="1" dirty="0">
-                            <a:latin typeface="Cambria Math" panose="02040503050406030204" pitchFamily="18" charset="0"/>
-                          </a:rPr>
-                          <m:t>𝑖</m:t>
-                        </m:r>
-                        <m:r>
-                          <a:rPr lang="en-IE" i="1" dirty="0">
-                            <a:latin typeface="Cambria Math" panose="02040503050406030204" pitchFamily="18" charset="0"/>
-                          </a:rPr>
-                          <m:t>=1</m:t>
-                        </m:r>
-                      </m:sub>
-                      <m:sup>
-                        <m:r>
-                          <a:rPr lang="en-IE" i="1" dirty="0">
-                            <a:latin typeface="Cambria Math" panose="02040503050406030204" pitchFamily="18" charset="0"/>
-                          </a:rPr>
-                          <m:t>𝑁</m:t>
-                        </m:r>
-                      </m:sup>
-                      <m:e>
-                        <m:r>
-                          <a:rPr lang="en-IE" b="0" i="1" dirty="0" smtClean="0">
-                            <a:latin typeface="Cambria Math" panose="02040503050406030204" pitchFamily="18" charset="0"/>
-                          </a:rPr>
-                          <m:t>(</m:t>
-                        </m:r>
-                        <m:sSub>
-                          <m:sSubPr>
-                            <m:ctrlPr>
-                              <a:rPr lang="en-IE" i="1" dirty="0">
-                                <a:latin typeface="Cambria Math" panose="02040503050406030204" pitchFamily="18" charset="0"/>
-                              </a:rPr>
-                            </m:ctrlPr>
-                          </m:sSubPr>
-                          <m:e>
-                            <m:r>
-                              <a:rPr lang="en-IE" i="1" dirty="0">
-                                <a:latin typeface="Cambria Math" panose="02040503050406030204" pitchFamily="18" charset="0"/>
-                              </a:rPr>
-                              <m:t>𝑥</m:t>
-                            </m:r>
-                          </m:e>
-                          <m:sub>
-                            <m:r>
-                              <a:rPr lang="en-IE" i="1" dirty="0">
-                                <a:latin typeface="Cambria Math" panose="02040503050406030204" pitchFamily="18" charset="0"/>
-                              </a:rPr>
-                              <m:t>𝑖</m:t>
-                            </m:r>
-                          </m:sub>
-                        </m:sSub>
-                        <m:d>
-                          <m:dPr>
-                            <m:ctrlPr>
-                              <a:rPr lang="en-IE" i="1" dirty="0">
-                                <a:latin typeface="Cambria Math" panose="02040503050406030204" pitchFamily="18" charset="0"/>
-                              </a:rPr>
-                            </m:ctrlPr>
-                          </m:dPr>
-                          <m:e>
-                            <m:r>
-                              <a:rPr lang="en-IE" b="0" i="1" dirty="0" smtClean="0">
-                                <a:latin typeface="Cambria Math" panose="02040503050406030204" pitchFamily="18" charset="0"/>
-                              </a:rPr>
-                              <m:t>𝑠</m:t>
-                            </m:r>
-                          </m:e>
-                        </m:d>
-                        <m:r>
-                          <a:rPr lang="en-IE" b="0" i="1" dirty="0" smtClean="0">
-                            <a:latin typeface="Cambria Math" panose="02040503050406030204" pitchFamily="18" charset="0"/>
-                          </a:rPr>
-                          <m:t>−</m:t>
-                        </m:r>
-                      </m:e>
-                    </m:nary>
-                  </m:oMath>
-                </a14:m>
-                <a:r>
-                  <a:rPr lang="en-IE" dirty="0"/>
-                  <a:t> </a:t>
-                </a:r>
-                <a14:m>
-                  <m:oMath xmlns:m="http://schemas.openxmlformats.org/officeDocument/2006/math">
-                    <m:acc>
-                      <m:accPr>
-                        <m:chr m:val="̅"/>
-                        <m:ctrlPr>
-                          <a:rPr lang="en-IE" i="1">
-                            <a:latin typeface="Cambria Math" panose="02040503050406030204" pitchFamily="18" charset="0"/>
-                          </a:rPr>
-                        </m:ctrlPr>
-                      </m:accPr>
-                      <m:e>
-                        <m:r>
-                          <a:rPr lang="en-IE" i="1">
-                            <a:latin typeface="Cambria Math" panose="02040503050406030204" pitchFamily="18" charset="0"/>
-                          </a:rPr>
-                          <m:t>𝑥</m:t>
-                        </m:r>
-                      </m:e>
-                    </m:acc>
-                    <m:d>
-                      <m:dPr>
-                        <m:ctrlPr>
-                          <a:rPr lang="en-IE" i="1" dirty="0">
-                            <a:latin typeface="Cambria Math" panose="02040503050406030204" pitchFamily="18" charset="0"/>
-                          </a:rPr>
-                        </m:ctrlPr>
-                      </m:dPr>
-                      <m:e>
-                        <m:r>
-                          <a:rPr lang="en-IE" b="0" i="1" dirty="0" smtClean="0">
-                            <a:latin typeface="Cambria Math" panose="02040503050406030204" pitchFamily="18" charset="0"/>
-                          </a:rPr>
-                          <m:t>𝑠</m:t>
-                        </m:r>
-                      </m:e>
-                    </m:d>
-                    <m:r>
-                      <a:rPr lang="en-IE" b="0" i="1" dirty="0" smtClean="0">
-                        <a:latin typeface="Cambria Math" panose="02040503050406030204" pitchFamily="18" charset="0"/>
-                      </a:rPr>
-                      <m:t>)(</m:t>
-                    </m:r>
-                    <m:sSub>
-                      <m:sSubPr>
-                        <m:ctrlPr>
-                          <a:rPr lang="en-IE" b="0" i="1" dirty="0" smtClean="0">
-                            <a:latin typeface="Cambria Math" panose="02040503050406030204" pitchFamily="18" charset="0"/>
-                          </a:rPr>
-                        </m:ctrlPr>
-                      </m:sSubPr>
-                      <m:e>
-                        <m:r>
-                          <a:rPr lang="en-IE" b="0" i="1" dirty="0" smtClean="0">
-                            <a:latin typeface="Cambria Math" panose="02040503050406030204" pitchFamily="18" charset="0"/>
-                          </a:rPr>
-                          <m:t>𝑥</m:t>
-                        </m:r>
-                      </m:e>
-                      <m:sub>
-                        <m:r>
-                          <a:rPr lang="en-IE" b="0" i="1" dirty="0" smtClean="0">
-                            <a:latin typeface="Cambria Math" panose="02040503050406030204" pitchFamily="18" charset="0"/>
-                          </a:rPr>
-                          <m:t>𝑖</m:t>
-                        </m:r>
-                      </m:sub>
-                    </m:sSub>
-                    <m:d>
-                      <m:dPr>
-                        <m:ctrlPr>
-                          <a:rPr lang="en-IE" b="0" i="1" dirty="0" smtClean="0">
-                            <a:latin typeface="Cambria Math" panose="02040503050406030204" pitchFamily="18" charset="0"/>
-                          </a:rPr>
-                        </m:ctrlPr>
-                      </m:dPr>
-                      <m:e>
-                        <m:r>
-                          <a:rPr lang="en-IE" b="0" i="1" dirty="0" smtClean="0">
-                            <a:latin typeface="Cambria Math" panose="02040503050406030204" pitchFamily="18" charset="0"/>
-                          </a:rPr>
-                          <m:t>𝑡</m:t>
-                        </m:r>
-                      </m:e>
-                    </m:d>
-                    <m:r>
-                      <a:rPr lang="en-IE" b="0" i="1" dirty="0" smtClean="0">
-                        <a:latin typeface="Cambria Math" panose="02040503050406030204" pitchFamily="18" charset="0"/>
-                      </a:rPr>
-                      <m:t>−</m:t>
-                    </m:r>
-                    <m:acc>
-                      <m:accPr>
-                        <m:chr m:val="̅"/>
-                        <m:ctrlPr>
-                          <a:rPr lang="en-IE" i="1">
-                            <a:latin typeface="Cambria Math" panose="02040503050406030204" pitchFamily="18" charset="0"/>
-                          </a:rPr>
-                        </m:ctrlPr>
-                      </m:accPr>
-                      <m:e>
-                        <m:r>
-                          <a:rPr lang="en-IE" i="1">
-                            <a:latin typeface="Cambria Math" panose="02040503050406030204" pitchFamily="18" charset="0"/>
-                          </a:rPr>
-                          <m:t>𝑥</m:t>
-                        </m:r>
-                      </m:e>
-                    </m:acc>
-                    <m:d>
-                      <m:dPr>
-                        <m:ctrlPr>
-                          <a:rPr lang="en-IE" i="1" dirty="0">
-                            <a:latin typeface="Cambria Math" panose="02040503050406030204" pitchFamily="18" charset="0"/>
-                          </a:rPr>
-                        </m:ctrlPr>
-                      </m:dPr>
-                      <m:e>
-                        <m:r>
-                          <a:rPr lang="en-IE" i="1" dirty="0">
-                            <a:latin typeface="Cambria Math" panose="02040503050406030204" pitchFamily="18" charset="0"/>
-                          </a:rPr>
-                          <m:t>𝑡</m:t>
-                        </m:r>
-                      </m:e>
-                    </m:d>
-                  </m:oMath>
-                </a14:m>
-                <a:r>
-                  <a:rPr lang="en-GB" dirty="0"/>
-                  <a:t>)</a:t>
-                </a:r>
-              </a:p>
-            </p:txBody>
-          </p:sp>
+            </p:nvGraphicFramePr>
+            <p:xfrm>
+              <a:off x="838200" y="1825624"/>
+              <a:ext cx="11004396" cy="3585968"/>
+            </p:xfrm>
+            <a:graphic>
+              <a:graphicData uri="http://schemas.openxmlformats.org/drawingml/2006/table">
+                <a:tbl>
+                  <a:tblPr firstRow="1" bandRow="1">
+                    <a:tableStyleId>{5C22544A-7EE6-4342-B048-85BDC9FD1C3A}</a:tableStyleId>
+                  </a:tblPr>
+                  <a:tblGrid>
+                    <a:gridCol w="2763644">
+                      <a:extLst>
+                        <a:ext uri="{9D8B030D-6E8A-4147-A177-3AD203B41FA5}">
+                          <a16:colId xmlns:a16="http://schemas.microsoft.com/office/drawing/2014/main" val="1590279976"/>
+                        </a:ext>
+                      </a:extLst>
+                    </a:gridCol>
+                    <a:gridCol w="3914078">
+                      <a:extLst>
+                        <a:ext uri="{9D8B030D-6E8A-4147-A177-3AD203B41FA5}">
+                          <a16:colId xmlns:a16="http://schemas.microsoft.com/office/drawing/2014/main" val="3553733556"/>
+                        </a:ext>
+                      </a:extLst>
+                    </a:gridCol>
+                    <a:gridCol w="4326674">
+                      <a:extLst>
+                        <a:ext uri="{9D8B030D-6E8A-4147-A177-3AD203B41FA5}">
+                          <a16:colId xmlns:a16="http://schemas.microsoft.com/office/drawing/2014/main" val="88388947"/>
+                        </a:ext>
+                      </a:extLst>
+                    </a:gridCol>
+                  </a:tblGrid>
+                  <a:tr h="393963">
+                    <a:tc>
+                      <a:txBody>
+                        <a:bodyPr/>
+                        <a:lstStyle/>
+                        <a:p>
+                          <a:endParaRPr lang="en-US" dirty="0"/>
+                        </a:p>
+                      </a:txBody>
+                      <a:tcPr/>
+                    </a:tc>
+                    <a:tc>
+                      <a:txBody>
+                        <a:bodyPr/>
+                        <a:lstStyle/>
+                        <a:p>
+                          <a:pPr algn="ctr"/>
+                          <a:r>
+                            <a:rPr lang="en-US" sz="2400" dirty="0"/>
+                            <a:t>Multivariate PCA</a:t>
+                          </a:r>
+                        </a:p>
+                      </a:txBody>
+                      <a:tcPr/>
+                    </a:tc>
+                    <a:tc>
+                      <a:txBody>
+                        <a:bodyPr/>
+                        <a:lstStyle/>
+                        <a:p>
+                          <a:pPr algn="ctr"/>
+                          <a:r>
+                            <a:rPr lang="en-US" sz="2400" dirty="0"/>
+                            <a:t>Functional PCA</a:t>
+                          </a:r>
+                        </a:p>
+                      </a:txBody>
+                      <a:tcPr/>
+                    </a:tc>
+                    <a:extLst>
+                      <a:ext uri="{0D108BD9-81ED-4DB2-BD59-A6C34878D82A}">
+                        <a16:rowId xmlns:a16="http://schemas.microsoft.com/office/drawing/2014/main" val="4140516647"/>
+                      </a:ext>
+                    </a:extLst>
+                  </a:tr>
+                  <a:tr h="780235">
+                    <a:tc>
+                      <a:txBody>
+                        <a:bodyPr/>
+                        <a:lstStyle/>
+                        <a:p>
+                          <a:pPr algn="ctr"/>
+                          <a:r>
+                            <a:rPr lang="en-US" b="1" dirty="0"/>
+                            <a:t>Data Observation</a:t>
+                          </a:r>
+                        </a:p>
+                      </a:txBody>
+                      <a:tcPr anchor="ctr"/>
+                    </a:tc>
+                    <a:tc>
+                      <a:txBody>
+                        <a:bodyPr/>
+                        <a:lstStyle/>
+                        <a:p>
+                          <a:pPr algn="ctr"/>
+                          <a:r>
+                            <a:rPr lang="en-US" dirty="0"/>
+                            <a:t>Vector of </a:t>
+                          </a:r>
+                          <a14:m>
+                            <m:oMath xmlns:m="http://schemas.openxmlformats.org/officeDocument/2006/math">
+                              <m:r>
+                                <a:rPr lang="en-US" b="0" i="1" smtClean="0">
+                                  <a:latin typeface="Cambria Math" panose="02040503050406030204" pitchFamily="18" charset="0"/>
+                                </a:rPr>
+                                <m:t>𝑝</m:t>
+                              </m:r>
+                            </m:oMath>
+                          </a14:m>
+                          <a:r>
+                            <a:rPr lang="en-US" dirty="0"/>
+                            <a:t> variables </a:t>
+                          </a:r>
+                          <a14:m>
+                            <m:oMath xmlns:m="http://schemas.openxmlformats.org/officeDocument/2006/math">
+                              <m:r>
+                                <a:rPr lang="en-US" b="0" i="1" smtClean="0">
+                                  <a:latin typeface="Cambria Math" panose="02040503050406030204" pitchFamily="18" charset="0"/>
+                                </a:rPr>
+                                <m:t>𝑥</m:t>
+                              </m:r>
+                              <m:r>
+                                <a:rPr lang="en-US" b="0" i="1" smtClean="0">
+                                  <a:latin typeface="Cambria Math" panose="02040503050406030204" pitchFamily="18" charset="0"/>
+                                </a:rPr>
+                                <m:t>=</m:t>
+                              </m:r>
+                              <m:sSup>
+                                <m:sSupPr>
+                                  <m:ctrlPr>
+                                    <a:rPr lang="en-US" b="0" i="1" smtClean="0">
+                                      <a:latin typeface="Cambria Math" panose="02040503050406030204" pitchFamily="18" charset="0"/>
+                                    </a:rPr>
+                                  </m:ctrlPr>
+                                </m:sSupPr>
+                                <m:e>
+                                  <m:d>
+                                    <m:dPr>
+                                      <m:ctrlPr>
+                                        <a:rPr lang="en-US" b="0" i="1" smtClean="0">
+                                          <a:latin typeface="Cambria Math" panose="02040503050406030204" pitchFamily="18" charset="0"/>
+                                        </a:rPr>
+                                      </m:ctrlPr>
+                                    </m:dPr>
+                                    <m:e>
+                                      <m:sSub>
+                                        <m:sSubPr>
+                                          <m:ctrlPr>
+                                            <a:rPr lang="en-US" b="0" i="1" smtClean="0">
+                                              <a:latin typeface="Cambria Math" panose="02040503050406030204" pitchFamily="18" charset="0"/>
+                                            </a:rPr>
+                                          </m:ctrlPr>
+                                        </m:sSubPr>
+                                        <m:e>
+                                          <m:r>
+                                            <a:rPr lang="en-US" b="0" i="1" smtClean="0">
+                                              <a:latin typeface="Cambria Math" panose="02040503050406030204" pitchFamily="18" charset="0"/>
+                                            </a:rPr>
+                                            <m:t>𝑥</m:t>
+                                          </m:r>
+                                        </m:e>
+                                        <m:sub>
+                                          <m:r>
+                                            <a:rPr lang="en-US" b="0" i="1" smtClean="0">
+                                              <a:latin typeface="Cambria Math" panose="02040503050406030204" pitchFamily="18" charset="0"/>
+                                            </a:rPr>
+                                            <m:t>1</m:t>
+                                          </m:r>
+                                        </m:sub>
+                                      </m:sSub>
+                                      <m:r>
+                                        <a:rPr lang="en-US" b="0" i="1" smtClean="0">
+                                          <a:latin typeface="Cambria Math" panose="02040503050406030204" pitchFamily="18" charset="0"/>
+                                        </a:rPr>
+                                        <m:t>, …</m:t>
+                                      </m:r>
+                                      <m:sSub>
+                                        <m:sSubPr>
+                                          <m:ctrlPr>
+                                            <a:rPr lang="en-US" b="0" i="1" smtClean="0">
+                                              <a:latin typeface="Cambria Math" panose="02040503050406030204" pitchFamily="18" charset="0"/>
+                                            </a:rPr>
+                                          </m:ctrlPr>
+                                        </m:sSubPr>
+                                        <m:e>
+                                          <m:r>
+                                            <a:rPr lang="en-US" b="0" i="1" smtClean="0">
+                                              <a:latin typeface="Cambria Math" panose="02040503050406030204" pitchFamily="18" charset="0"/>
+                                            </a:rPr>
+                                            <m:t>𝑥</m:t>
+                                          </m:r>
+                                        </m:e>
+                                        <m:sub>
+                                          <m:r>
+                                            <a:rPr lang="en-US" b="0" i="1" smtClean="0">
+                                              <a:latin typeface="Cambria Math" panose="02040503050406030204" pitchFamily="18" charset="0"/>
+                                            </a:rPr>
+                                            <m:t>𝑝</m:t>
+                                          </m:r>
+                                        </m:sub>
+                                      </m:sSub>
+                                    </m:e>
+                                  </m:d>
+                                </m:e>
+                                <m:sup>
+                                  <m:r>
+                                    <a:rPr lang="en-US" b="0" i="1" smtClean="0">
+                                      <a:latin typeface="Cambria Math" panose="02040503050406030204" pitchFamily="18" charset="0"/>
+                                    </a:rPr>
+                                    <m:t>⊤</m:t>
+                                  </m:r>
+                                </m:sup>
+                              </m:sSup>
+                            </m:oMath>
+                          </a14:m>
+                          <a:endParaRPr lang="en-US" dirty="0"/>
+                        </a:p>
+                      </a:txBody>
+                      <a:tcPr anchor="ctr"/>
+                    </a:tc>
+                    <a:tc>
+                      <a:txBody>
+                        <a:bodyPr/>
+                        <a:lstStyle/>
+                        <a:p>
+                          <a:pPr algn="ctr"/>
+                          <a:r>
+                            <a:rPr lang="en-US" dirty="0"/>
+                            <a:t>Curve </a:t>
+                          </a:r>
+                          <a14:m>
+                            <m:oMath xmlns:m="http://schemas.openxmlformats.org/officeDocument/2006/math">
+                              <m:r>
+                                <a:rPr lang="en-US" b="0" i="1" smtClean="0">
+                                  <a:latin typeface="Cambria Math" panose="02040503050406030204" pitchFamily="18" charset="0"/>
+                                </a:rPr>
+                                <m:t>𝑥</m:t>
+                              </m:r>
+                              <m:r>
+                                <a:rPr lang="en-US" b="0" i="1" smtClean="0">
+                                  <a:latin typeface="Cambria Math" panose="02040503050406030204" pitchFamily="18" charset="0"/>
+                                </a:rPr>
+                                <m:t>(</m:t>
+                              </m:r>
+                              <m:r>
+                                <a:rPr lang="en-US" b="0" i="1" smtClean="0">
+                                  <a:latin typeface="Cambria Math" panose="02040503050406030204" pitchFamily="18" charset="0"/>
+                                </a:rPr>
+                                <m:t>𝑡</m:t>
+                              </m:r>
+                              <m:r>
+                                <a:rPr lang="en-US" b="0" i="1" smtClean="0">
+                                  <a:latin typeface="Cambria Math" panose="02040503050406030204" pitchFamily="18" charset="0"/>
+                                </a:rPr>
+                                <m:t>)</m:t>
+                              </m:r>
+                            </m:oMath>
+                          </a14:m>
+                          <a:endParaRPr lang="en-US" dirty="0"/>
+                        </a:p>
+                      </a:txBody>
+                      <a:tcPr anchor="ctr"/>
+                    </a:tc>
+                    <a:extLst>
+                      <a:ext uri="{0D108BD9-81ED-4DB2-BD59-A6C34878D82A}">
+                        <a16:rowId xmlns:a16="http://schemas.microsoft.com/office/drawing/2014/main" val="3035821055"/>
+                      </a:ext>
+                    </a:extLst>
+                  </a:tr>
+                  <a:tr h="393963">
+                    <a:tc>
+                      <a:txBody>
+                        <a:bodyPr/>
+                        <a:lstStyle/>
+                        <a:p>
+                          <a:pPr algn="ctr"/>
+                          <a:r>
+                            <a:rPr lang="en-US" b="1" dirty="0"/>
+                            <a:t>Mean</a:t>
+                          </a:r>
+                        </a:p>
+                      </a:txBody>
+                      <a:tcPr anchor="ctr"/>
+                    </a:tc>
+                    <a:tc>
+                      <a:txBody>
+                        <a:bodyPr/>
+                        <a:lstStyle/>
+                        <a:p>
+                          <a:pPr algn="ctr"/>
+                          <a:r>
+                            <a:rPr lang="en-US" dirty="0"/>
+                            <a:t>Mean vector </a:t>
+                          </a:r>
+                          <a14:m>
+                            <m:oMath xmlns:m="http://schemas.openxmlformats.org/officeDocument/2006/math">
+                              <m:r>
+                                <a:rPr lang="en-US" b="1" i="1" smtClean="0">
+                                  <a:latin typeface="Cambria Math" panose="02040503050406030204" pitchFamily="18" charset="0"/>
+                                </a:rPr>
+                                <m:t>𝝁</m:t>
+                              </m:r>
+                            </m:oMath>
+                          </a14:m>
+                          <a:endParaRPr lang="en-US" b="1" dirty="0"/>
+                        </a:p>
+                      </a:txBody>
+                      <a:tcPr anchor="ctr"/>
+                    </a:tc>
+                    <a:tc>
+                      <a:txBody>
+                        <a:bodyPr/>
+                        <a:lstStyle/>
+                        <a:p>
+                          <a:pPr algn="ctr"/>
+                          <a:r>
+                            <a:rPr lang="en-US" dirty="0"/>
+                            <a:t>Mean function </a:t>
+                          </a:r>
+                          <a14:m>
+                            <m:oMath xmlns:m="http://schemas.openxmlformats.org/officeDocument/2006/math">
+                              <m:r>
+                                <a:rPr lang="en-US" b="0" i="1" smtClean="0">
+                                  <a:latin typeface="Cambria Math" panose="02040503050406030204" pitchFamily="18" charset="0"/>
+                                </a:rPr>
+                                <m:t>𝜇</m:t>
+                              </m:r>
+                              <m:r>
+                                <a:rPr lang="en-US" b="0" i="1" smtClean="0">
+                                  <a:latin typeface="Cambria Math" panose="02040503050406030204" pitchFamily="18" charset="0"/>
+                                </a:rPr>
+                                <m:t>(</m:t>
+                              </m:r>
+                              <m:r>
+                                <a:rPr lang="en-US" b="0" i="1" smtClean="0">
+                                  <a:latin typeface="Cambria Math" panose="02040503050406030204" pitchFamily="18" charset="0"/>
+                                </a:rPr>
+                                <m:t>𝑡</m:t>
+                              </m:r>
+                              <m:r>
+                                <a:rPr lang="en-US" b="0" i="1" smtClean="0">
+                                  <a:latin typeface="Cambria Math" panose="02040503050406030204" pitchFamily="18" charset="0"/>
+                                </a:rPr>
+                                <m:t>)</m:t>
+                              </m:r>
+                            </m:oMath>
+                          </a14:m>
+                          <a:endParaRPr lang="en-US" dirty="0"/>
+                        </a:p>
+                      </a:txBody>
+                      <a:tcPr anchor="ctr"/>
+                    </a:tc>
+                    <a:extLst>
+                      <a:ext uri="{0D108BD9-81ED-4DB2-BD59-A6C34878D82A}">
+                        <a16:rowId xmlns:a16="http://schemas.microsoft.com/office/drawing/2014/main" val="3806155662"/>
+                      </a:ext>
+                    </a:extLst>
+                  </a:tr>
+                  <a:tr h="393963">
+                    <a:tc>
+                      <a:txBody>
+                        <a:bodyPr/>
+                        <a:lstStyle/>
+                        <a:p>
+                          <a:pPr algn="ctr"/>
+                          <a:r>
+                            <a:rPr lang="en-US" b="1" dirty="0"/>
+                            <a:t>Covariance</a:t>
+                          </a:r>
+                        </a:p>
+                      </a:txBody>
+                      <a:tcPr anchor="ctr"/>
+                    </a:tc>
+                    <a:tc>
+                      <a:txBody>
+                        <a:bodyPr/>
+                        <a:lstStyle/>
+                        <a:p>
+                          <a:pPr algn="ctr"/>
+                          <a14:m>
+                            <m:oMath xmlns:m="http://schemas.openxmlformats.org/officeDocument/2006/math">
+                              <m:r>
+                                <a:rPr lang="en-US" b="0" i="1" smtClean="0">
+                                  <a:latin typeface="Cambria Math" panose="02040503050406030204" pitchFamily="18" charset="0"/>
+                                </a:rPr>
+                                <m:t>𝑝</m:t>
+                              </m:r>
+                              <m:r>
+                                <a:rPr lang="en-US" b="0" i="1" smtClean="0">
+                                  <a:latin typeface="Cambria Math" panose="02040503050406030204" pitchFamily="18" charset="0"/>
+                                </a:rPr>
+                                <m:t> × </m:t>
+                              </m:r>
+                              <m:r>
+                                <a:rPr lang="en-US" b="0" i="1" smtClean="0">
+                                  <a:latin typeface="Cambria Math" panose="02040503050406030204" pitchFamily="18" charset="0"/>
+                                </a:rPr>
+                                <m:t>𝑝</m:t>
+                              </m:r>
+                            </m:oMath>
+                          </a14:m>
+                          <a:r>
+                            <a:rPr lang="en-US" dirty="0"/>
+                            <a:t> covariance matrix </a:t>
+                          </a:r>
+                          <a14:m>
+                            <m:oMath xmlns:m="http://schemas.openxmlformats.org/officeDocument/2006/math">
+                              <m:r>
+                                <m:rPr>
+                                  <m:sty m:val="p"/>
+                                </m:rPr>
+                                <a:rPr lang="en-US" b="0" i="0" smtClean="0">
+                                  <a:latin typeface="Cambria Math" panose="02040503050406030204" pitchFamily="18" charset="0"/>
+                                </a:rPr>
+                                <m:t>Σ</m:t>
+                              </m:r>
+                            </m:oMath>
+                          </a14:m>
+                          <a:endParaRPr lang="en-US" dirty="0"/>
+                        </a:p>
+                      </a:txBody>
+                      <a:tcPr anchor="ctr"/>
+                    </a:tc>
+                    <a:tc>
+                      <a:txBody>
+                        <a:bodyPr/>
+                        <a:lstStyle/>
+                        <a:p>
+                          <a:pPr algn="ctr"/>
+                          <a:r>
+                            <a:rPr lang="en-US" dirty="0"/>
+                            <a:t>Covariance Function </a:t>
+                          </a:r>
+                          <a14:m>
+                            <m:oMath xmlns:m="http://schemas.openxmlformats.org/officeDocument/2006/math">
+                              <m:r>
+                                <m:rPr>
+                                  <m:sty m:val="p"/>
+                                </m:rPr>
+                                <a:rPr lang="en-US" b="0" i="0" smtClean="0">
+                                  <a:latin typeface="Cambria Math" panose="02040503050406030204" pitchFamily="18" charset="0"/>
+                                </a:rPr>
+                                <m:t>Σ</m:t>
+                              </m:r>
+                              <m:r>
+                                <a:rPr lang="en-US" b="0" i="1" smtClean="0">
+                                  <a:latin typeface="Cambria Math" panose="02040503050406030204" pitchFamily="18" charset="0"/>
+                                </a:rPr>
+                                <m:t>(</m:t>
+                              </m:r>
+                              <m:r>
+                                <a:rPr lang="en-US" b="0" i="1" smtClean="0">
+                                  <a:latin typeface="Cambria Math" panose="02040503050406030204" pitchFamily="18" charset="0"/>
+                                </a:rPr>
+                                <m:t>𝑠</m:t>
+                              </m:r>
+                              <m:r>
+                                <a:rPr lang="en-US" b="0" i="1" smtClean="0">
+                                  <a:latin typeface="Cambria Math" panose="02040503050406030204" pitchFamily="18" charset="0"/>
+                                </a:rPr>
+                                <m:t>, </m:t>
+                              </m:r>
+                              <m:r>
+                                <a:rPr lang="en-US" b="0" i="1" smtClean="0">
+                                  <a:latin typeface="Cambria Math" panose="02040503050406030204" pitchFamily="18" charset="0"/>
+                                </a:rPr>
+                                <m:t>𝑡</m:t>
+                              </m:r>
+                              <m:r>
+                                <a:rPr lang="en-US" b="0" i="1" smtClean="0">
+                                  <a:latin typeface="Cambria Math" panose="02040503050406030204" pitchFamily="18" charset="0"/>
+                                </a:rPr>
+                                <m:t>)</m:t>
+                              </m:r>
+                            </m:oMath>
+                          </a14:m>
+                          <a:endParaRPr lang="en-US" dirty="0"/>
+                        </a:p>
+                      </a:txBody>
+                      <a:tcPr anchor="ctr"/>
+                    </a:tc>
+                    <a:extLst>
+                      <a:ext uri="{0D108BD9-81ED-4DB2-BD59-A6C34878D82A}">
+                        <a16:rowId xmlns:a16="http://schemas.microsoft.com/office/drawing/2014/main" val="138513978"/>
+                      </a:ext>
+                    </a:extLst>
+                  </a:tr>
+                  <a:tr h="702522">
+                    <a:tc>
+                      <a:txBody>
+                        <a:bodyPr/>
+                        <a:lstStyle/>
+                        <a:p>
+                          <a:pPr algn="ctr"/>
+                          <a:r>
+                            <a:rPr lang="en-US" b="1" dirty="0"/>
+                            <a:t>Eigenvectors</a:t>
+                          </a:r>
+                        </a:p>
+                      </a:txBody>
+                      <a:tcPr anchor="ctr"/>
+                    </a:tc>
+                    <a:tc>
+                      <a:txBody>
+                        <a:bodyPr/>
+                        <a:lstStyle/>
+                        <a:p>
+                          <a:pPr algn="ctr"/>
+                          <a:r>
+                            <a:rPr lang="en-US" dirty="0"/>
+                            <a:t>“Loadings” = Eigen</a:t>
+                          </a:r>
+                          <a:r>
+                            <a:rPr lang="en-US" u="sng" dirty="0"/>
+                            <a:t>vectors</a:t>
+                          </a:r>
+                          <a:r>
+                            <a:rPr lang="en-US" dirty="0"/>
+                            <a:t> </a:t>
+                          </a:r>
+                        </a:p>
+                        <a:p>
+                          <a:pPr algn="ctr"/>
+                          <a14:m>
+                            <m:oMath xmlns:m="http://schemas.openxmlformats.org/officeDocument/2006/math">
+                              <m:r>
+                                <a:rPr lang="en-US" b="0" i="1" smtClean="0">
+                                  <a:latin typeface="Cambria Math" panose="02040503050406030204" pitchFamily="18" charset="0"/>
+                                </a:rPr>
+                                <m:t>𝑝</m:t>
+                              </m:r>
+                            </m:oMath>
+                          </a14:m>
+                          <a:r>
+                            <a:rPr lang="en-US" dirty="0"/>
+                            <a:t>-dimensional vectors</a:t>
+                          </a:r>
+                          <a:r>
+                            <a:rPr lang="en-US" baseline="0" dirty="0"/>
+                            <a:t> </a:t>
+                          </a:r>
+                          <a14:m>
+                            <m:oMath xmlns:m="http://schemas.openxmlformats.org/officeDocument/2006/math">
+                              <m:sSub>
+                                <m:sSubPr>
+                                  <m:ctrlPr>
+                                    <a:rPr lang="en-US" b="0" i="1" baseline="0" smtClean="0">
+                                      <a:latin typeface="Cambria Math" panose="02040503050406030204" pitchFamily="18" charset="0"/>
+                                    </a:rPr>
+                                  </m:ctrlPr>
+                                </m:sSubPr>
+                                <m:e>
+                                  <m:r>
+                                    <a:rPr lang="en-US" b="1" i="1" baseline="0" smtClean="0">
+                                      <a:latin typeface="Cambria Math" panose="02040503050406030204" pitchFamily="18" charset="0"/>
+                                    </a:rPr>
+                                    <m:t>𝒗</m:t>
+                                  </m:r>
+                                </m:e>
+                                <m:sub>
+                                  <m:r>
+                                    <a:rPr lang="en-US" b="0" i="1" baseline="0" smtClean="0">
+                                      <a:latin typeface="Cambria Math" panose="02040503050406030204" pitchFamily="18" charset="0"/>
+                                    </a:rPr>
+                                    <m:t>1</m:t>
+                                  </m:r>
+                                </m:sub>
+                              </m:sSub>
+                              <m:r>
+                                <a:rPr lang="en-US" b="0" i="1" baseline="0" smtClean="0">
+                                  <a:latin typeface="Cambria Math" panose="02040503050406030204" pitchFamily="18" charset="0"/>
+                                </a:rPr>
+                                <m:t>, …, </m:t>
+                              </m:r>
+                              <m:sSub>
+                                <m:sSubPr>
+                                  <m:ctrlPr>
+                                    <a:rPr lang="en-US" b="0" i="1" baseline="0" smtClean="0">
+                                      <a:latin typeface="Cambria Math" panose="02040503050406030204" pitchFamily="18" charset="0"/>
+                                    </a:rPr>
+                                  </m:ctrlPr>
+                                </m:sSubPr>
+                                <m:e>
+                                  <m:r>
+                                    <a:rPr lang="en-US" b="1" i="1" baseline="0" smtClean="0">
+                                      <a:latin typeface="Cambria Math" panose="02040503050406030204" pitchFamily="18" charset="0"/>
+                                    </a:rPr>
+                                    <m:t>𝒗</m:t>
+                                  </m:r>
+                                </m:e>
+                                <m:sub>
+                                  <m:r>
+                                    <a:rPr lang="en-US" b="0" i="1" baseline="0" smtClean="0">
+                                      <a:latin typeface="Cambria Math" panose="02040503050406030204" pitchFamily="18" charset="0"/>
+                                    </a:rPr>
+                                    <m:t>𝑝</m:t>
+                                  </m:r>
+                                </m:sub>
+                              </m:sSub>
+                            </m:oMath>
+                          </a14:m>
+                          <a:endParaRPr lang="en-US" dirty="0"/>
+                        </a:p>
+                      </a:txBody>
+                      <a:tcPr anchor="ctr"/>
+                    </a:tc>
+                    <a:tc>
+                      <a:txBody>
+                        <a:bodyPr/>
+                        <a:lstStyle/>
+                        <a:p>
+                          <a:pPr algn="ctr"/>
+                          <a:r>
+                            <a:rPr lang="en-US" dirty="0"/>
+                            <a:t>“FPCs” = Eigen</a:t>
+                          </a:r>
+                          <a:r>
+                            <a:rPr lang="en-US" u="sng" dirty="0"/>
+                            <a:t>functions</a:t>
+                          </a:r>
+                        </a:p>
+                        <a:p>
+                          <a:pPr algn="ctr"/>
+                          <a14:m>
+                            <m:oMathPara xmlns:m="http://schemas.openxmlformats.org/officeDocument/2006/math">
+                              <m:oMathParaPr>
+                                <m:jc m:val="centerGroup"/>
+                              </m:oMathParaPr>
+                              <m:oMath xmlns:m="http://schemas.openxmlformats.org/officeDocument/2006/math">
+                                <m:sSub>
+                                  <m:sSubPr>
+                                    <m:ctrlPr>
+                                      <a:rPr lang="en-US" b="0" i="1" u="none" smtClean="0">
+                                        <a:latin typeface="Cambria Math" panose="02040503050406030204" pitchFamily="18" charset="0"/>
+                                      </a:rPr>
+                                    </m:ctrlPr>
+                                  </m:sSubPr>
+                                  <m:e>
+                                    <m:r>
+                                      <a:rPr lang="en-US" b="0" i="1" u="none" smtClean="0">
+                                        <a:latin typeface="Cambria Math" panose="02040503050406030204" pitchFamily="18" charset="0"/>
+                                      </a:rPr>
+                                      <m:t>𝜓</m:t>
+                                    </m:r>
+                                  </m:e>
+                                  <m:sub>
+                                    <m:r>
+                                      <a:rPr lang="en-US" b="0" i="1" u="none" smtClean="0">
+                                        <a:latin typeface="Cambria Math" panose="02040503050406030204" pitchFamily="18" charset="0"/>
+                                      </a:rPr>
+                                      <m:t>1</m:t>
+                                    </m:r>
+                                  </m:sub>
+                                </m:sSub>
+                                <m:d>
+                                  <m:dPr>
+                                    <m:ctrlPr>
+                                      <a:rPr lang="en-US" b="0" i="1" u="none" smtClean="0">
+                                        <a:latin typeface="Cambria Math" panose="02040503050406030204" pitchFamily="18" charset="0"/>
+                                      </a:rPr>
+                                    </m:ctrlPr>
+                                  </m:dPr>
+                                  <m:e>
+                                    <m:r>
+                                      <a:rPr lang="en-US" b="0" i="1" u="none" smtClean="0">
+                                        <a:latin typeface="Cambria Math" panose="02040503050406030204" pitchFamily="18" charset="0"/>
+                                      </a:rPr>
+                                      <m:t>𝑡</m:t>
+                                    </m:r>
+                                  </m:e>
+                                </m:d>
+                                <m:r>
+                                  <a:rPr lang="en-US" b="0" i="1" u="none" smtClean="0">
+                                    <a:latin typeface="Cambria Math" panose="02040503050406030204" pitchFamily="18" charset="0"/>
+                                  </a:rPr>
+                                  <m:t>,</m:t>
+                                </m:r>
+                                <m:sSub>
+                                  <m:sSubPr>
+                                    <m:ctrlPr>
+                                      <a:rPr lang="en-US" b="0" i="1" u="none" smtClean="0">
+                                        <a:latin typeface="Cambria Math" panose="02040503050406030204" pitchFamily="18" charset="0"/>
+                                      </a:rPr>
+                                    </m:ctrlPr>
+                                  </m:sSubPr>
+                                  <m:e>
+                                    <m:r>
+                                      <a:rPr lang="en-US" b="0" i="1" u="none" smtClean="0">
+                                        <a:latin typeface="Cambria Math" panose="02040503050406030204" pitchFamily="18" charset="0"/>
+                                      </a:rPr>
+                                      <m:t>𝜓</m:t>
+                                    </m:r>
+                                  </m:e>
+                                  <m:sub>
+                                    <m:r>
+                                      <a:rPr lang="en-US" b="0" i="1" u="none" smtClean="0">
+                                        <a:latin typeface="Cambria Math" panose="02040503050406030204" pitchFamily="18" charset="0"/>
+                                      </a:rPr>
+                                      <m:t>2</m:t>
+                                    </m:r>
+                                  </m:sub>
+                                </m:sSub>
+                                <m:d>
+                                  <m:dPr>
+                                    <m:ctrlPr>
+                                      <a:rPr lang="en-US" b="0" i="1" u="none" smtClean="0">
+                                        <a:latin typeface="Cambria Math" panose="02040503050406030204" pitchFamily="18" charset="0"/>
+                                      </a:rPr>
+                                    </m:ctrlPr>
+                                  </m:dPr>
+                                  <m:e>
+                                    <m:r>
+                                      <a:rPr lang="en-US" b="0" i="1" u="none" smtClean="0">
+                                        <a:latin typeface="Cambria Math" panose="02040503050406030204" pitchFamily="18" charset="0"/>
+                                      </a:rPr>
+                                      <m:t>𝑡</m:t>
+                                    </m:r>
+                                  </m:e>
+                                </m:d>
+                                <m:r>
+                                  <a:rPr lang="en-US" b="0" i="1" u="none" smtClean="0">
+                                    <a:latin typeface="Cambria Math" panose="02040503050406030204" pitchFamily="18" charset="0"/>
+                                  </a:rPr>
+                                  <m:t>, …</m:t>
+                                </m:r>
+                              </m:oMath>
+                            </m:oMathPara>
+                          </a14:m>
+                          <a:endParaRPr lang="en-US" u="none" dirty="0"/>
+                        </a:p>
+                      </a:txBody>
+                      <a:tcPr anchor="ctr"/>
+                    </a:tc>
+                    <a:extLst>
+                      <a:ext uri="{0D108BD9-81ED-4DB2-BD59-A6C34878D82A}">
+                        <a16:rowId xmlns:a16="http://schemas.microsoft.com/office/drawing/2014/main" val="3791348160"/>
+                      </a:ext>
+                    </a:extLst>
+                  </a:tr>
+                  <a:tr h="393963">
+                    <a:tc>
+                      <a:txBody>
+                        <a:bodyPr/>
+                        <a:lstStyle/>
+                        <a:p>
+                          <a:pPr algn="ctr"/>
+                          <a:r>
+                            <a:rPr lang="en-US" b="1" dirty="0"/>
+                            <a:t>Eigenvalues</a:t>
+                          </a:r>
+                        </a:p>
+                      </a:txBody>
+                      <a:tcPr anchor="ctr"/>
+                    </a:tc>
+                    <a:tc>
+                      <a:txBody>
+                        <a:bodyPr/>
+                        <a:lstStyle/>
+                        <a:p>
+                          <a:pPr algn="ctr"/>
+                          <a14:m>
+                            <m:oMathPara xmlns:m="http://schemas.openxmlformats.org/officeDocument/2006/math">
+                              <m:oMathParaPr>
+                                <m:jc m:val="centerGroup"/>
+                              </m:oMathParaPr>
+                              <m:oMath xmlns:m="http://schemas.openxmlformats.org/officeDocument/2006/math">
+                                <m:sSub>
+                                  <m:sSubPr>
+                                    <m:ctrlPr>
+                                      <a:rPr lang="en-US" b="0" i="1" smtClean="0">
+                                        <a:latin typeface="Cambria Math" panose="02040503050406030204" pitchFamily="18" charset="0"/>
+                                      </a:rPr>
+                                    </m:ctrlPr>
+                                  </m:sSubPr>
+                                  <m:e>
+                                    <m:r>
+                                      <a:rPr lang="en-US" b="0" i="1" smtClean="0">
+                                        <a:latin typeface="Cambria Math" panose="02040503050406030204" pitchFamily="18" charset="0"/>
+                                      </a:rPr>
+                                      <m:t>𝜆</m:t>
+                                    </m:r>
+                                  </m:e>
+                                  <m:sub>
+                                    <m:r>
+                                      <a:rPr lang="en-US" b="0" i="1" smtClean="0">
+                                        <a:latin typeface="Cambria Math" panose="02040503050406030204" pitchFamily="18" charset="0"/>
+                                      </a:rPr>
+                                      <m:t>1</m:t>
+                                    </m:r>
+                                  </m:sub>
+                                </m:sSub>
+                                <m:r>
+                                  <a:rPr lang="en-US" b="0" i="1" smtClean="0">
+                                    <a:latin typeface="Cambria Math" panose="02040503050406030204" pitchFamily="18" charset="0"/>
+                                  </a:rPr>
+                                  <m:t>&gt;</m:t>
+                                </m:r>
+                                <m:sSub>
+                                  <m:sSubPr>
+                                    <m:ctrlPr>
+                                      <a:rPr lang="en-US" b="0" i="1" smtClean="0">
+                                        <a:latin typeface="Cambria Math" panose="02040503050406030204" pitchFamily="18" charset="0"/>
+                                      </a:rPr>
+                                    </m:ctrlPr>
+                                  </m:sSubPr>
+                                  <m:e>
+                                    <m:r>
+                                      <a:rPr lang="en-US" b="0" i="1" smtClean="0">
+                                        <a:latin typeface="Cambria Math" panose="02040503050406030204" pitchFamily="18" charset="0"/>
+                                      </a:rPr>
+                                      <m:t>𝜆</m:t>
+                                    </m:r>
+                                  </m:e>
+                                  <m:sub>
+                                    <m:r>
+                                      <a:rPr lang="en-US" b="0" i="1" smtClean="0">
+                                        <a:latin typeface="Cambria Math" panose="02040503050406030204" pitchFamily="18" charset="0"/>
+                                      </a:rPr>
+                                      <m:t>2</m:t>
+                                    </m:r>
+                                  </m:sub>
+                                </m:sSub>
+                                <m:r>
+                                  <a:rPr lang="en-US" b="0" i="1" smtClean="0">
+                                    <a:latin typeface="Cambria Math" panose="02040503050406030204" pitchFamily="18" charset="0"/>
+                                  </a:rPr>
+                                  <m:t>&gt;</m:t>
+                                </m:r>
+                                <m:r>
+                                  <a:rPr lang="en-US" b="0" i="1" smtClean="0">
+                                    <a:latin typeface="Cambria Math" panose="02040503050406030204" pitchFamily="18" charset="0"/>
+                                  </a:rPr>
+                                  <m:t>…&gt;</m:t>
+                                </m:r>
+                                <m:sSub>
+                                  <m:sSubPr>
+                                    <m:ctrlPr>
+                                      <a:rPr lang="en-US" b="0" i="1" smtClean="0">
+                                        <a:latin typeface="Cambria Math" panose="02040503050406030204" pitchFamily="18" charset="0"/>
+                                      </a:rPr>
+                                    </m:ctrlPr>
+                                  </m:sSubPr>
+                                  <m:e>
+                                    <m:r>
+                                      <a:rPr lang="en-US" b="0" i="1" smtClean="0">
+                                        <a:latin typeface="Cambria Math" panose="02040503050406030204" pitchFamily="18" charset="0"/>
+                                      </a:rPr>
+                                      <m:t>𝜆</m:t>
+                                    </m:r>
+                                  </m:e>
+                                  <m:sub>
+                                    <m:r>
+                                      <a:rPr lang="en-US" b="0" i="1" smtClean="0">
+                                        <a:latin typeface="Cambria Math" panose="02040503050406030204" pitchFamily="18" charset="0"/>
+                                      </a:rPr>
+                                      <m:t>𝑝</m:t>
+                                    </m:r>
+                                  </m:sub>
+                                </m:sSub>
+                                <m:r>
+                                  <a:rPr lang="en-US" b="0" i="1" smtClean="0">
+                                    <a:latin typeface="Cambria Math" panose="02040503050406030204" pitchFamily="18" charset="0"/>
+                                  </a:rPr>
+                                  <m:t>≥0.</m:t>
+                                </m:r>
+                              </m:oMath>
+                            </m:oMathPara>
+                          </a14:m>
+                          <a:endParaRPr lang="en-US" dirty="0"/>
+                        </a:p>
+                      </a:txBody>
+                      <a:tcPr anchor="ctr"/>
+                    </a:tc>
+                    <a:tc>
+                      <a:txBody>
+                        <a:bodyPr/>
+                        <a:lstStyle/>
+                        <a:p>
+                          <a:pPr algn="ctr"/>
+                          <a14:m>
+                            <m:oMathPara xmlns:m="http://schemas.openxmlformats.org/officeDocument/2006/math">
+                              <m:oMathParaPr>
+                                <m:jc m:val="centerGroup"/>
+                              </m:oMathParaPr>
+                              <m:oMath xmlns:m="http://schemas.openxmlformats.org/officeDocument/2006/math">
+                                <m:sSub>
+                                  <m:sSubPr>
+                                    <m:ctrlPr>
+                                      <a:rPr lang="en-US" b="0" i="1" smtClean="0">
+                                        <a:latin typeface="Cambria Math" panose="02040503050406030204" pitchFamily="18" charset="0"/>
+                                      </a:rPr>
+                                    </m:ctrlPr>
+                                  </m:sSubPr>
+                                  <m:e>
+                                    <m:r>
+                                      <a:rPr lang="en-US" b="0" i="1" smtClean="0">
+                                        <a:latin typeface="Cambria Math" panose="02040503050406030204" pitchFamily="18" charset="0"/>
+                                      </a:rPr>
+                                      <m:t>𝜆</m:t>
+                                    </m:r>
+                                  </m:e>
+                                  <m:sub>
+                                    <m:r>
+                                      <a:rPr lang="en-US" b="0" i="1" smtClean="0">
+                                        <a:latin typeface="Cambria Math" panose="02040503050406030204" pitchFamily="18" charset="0"/>
+                                      </a:rPr>
+                                      <m:t>1</m:t>
+                                    </m:r>
+                                  </m:sub>
+                                </m:sSub>
+                                <m:r>
+                                  <a:rPr lang="en-US" b="0" i="1" smtClean="0">
+                                    <a:latin typeface="Cambria Math" panose="02040503050406030204" pitchFamily="18" charset="0"/>
+                                  </a:rPr>
+                                  <m:t>&gt;</m:t>
+                                </m:r>
+                                <m:sSub>
+                                  <m:sSubPr>
+                                    <m:ctrlPr>
+                                      <a:rPr lang="en-US" b="0" i="1" smtClean="0">
+                                        <a:latin typeface="Cambria Math" panose="02040503050406030204" pitchFamily="18" charset="0"/>
+                                      </a:rPr>
+                                    </m:ctrlPr>
+                                  </m:sSubPr>
+                                  <m:e>
+                                    <m:r>
+                                      <a:rPr lang="en-US" b="0" i="1" smtClean="0">
+                                        <a:latin typeface="Cambria Math" panose="02040503050406030204" pitchFamily="18" charset="0"/>
+                                      </a:rPr>
+                                      <m:t>𝜆</m:t>
+                                    </m:r>
+                                  </m:e>
+                                  <m:sub>
+                                    <m:r>
+                                      <a:rPr lang="en-US" b="0" i="1" smtClean="0">
+                                        <a:latin typeface="Cambria Math" panose="02040503050406030204" pitchFamily="18" charset="0"/>
+                                      </a:rPr>
+                                      <m:t>2</m:t>
+                                    </m:r>
+                                  </m:sub>
+                                </m:sSub>
+                                <m:r>
+                                  <a:rPr lang="en-US" b="0" i="1" smtClean="0">
+                                    <a:latin typeface="Cambria Math" panose="02040503050406030204" pitchFamily="18" charset="0"/>
+                                  </a:rPr>
+                                  <m:t>&gt;</m:t>
+                                </m:r>
+                                <m:r>
+                                  <a:rPr lang="en-US" b="0" i="1" smtClean="0">
+                                    <a:latin typeface="Cambria Math" panose="02040503050406030204" pitchFamily="18" charset="0"/>
+                                  </a:rPr>
+                                  <m:t>…≥0</m:t>
+                                </m:r>
+                              </m:oMath>
+                            </m:oMathPara>
+                          </a14:m>
+                          <a:endParaRPr lang="en-US" dirty="0"/>
+                        </a:p>
+                      </a:txBody>
+                      <a:tcPr anchor="ctr"/>
+                    </a:tc>
+                    <a:extLst>
+                      <a:ext uri="{0D108BD9-81ED-4DB2-BD59-A6C34878D82A}">
+                        <a16:rowId xmlns:a16="http://schemas.microsoft.com/office/drawing/2014/main" val="2940652926"/>
+                      </a:ext>
+                    </a:extLst>
+                  </a:tr>
+                  <a:tr h="393963">
+                    <a:tc>
+                      <a:txBody>
+                        <a:bodyPr/>
+                        <a:lstStyle/>
+                        <a:p>
+                          <a:pPr algn="ctr"/>
+                          <a:r>
+                            <a:rPr lang="en-US" b="1" dirty="0"/>
+                            <a:t>Scores</a:t>
+                          </a:r>
+                        </a:p>
+                      </a:txBody>
+                      <a:tcPr anchor="ctr"/>
+                    </a:tc>
+                    <a:tc>
+                      <a:txBody>
+                        <a:bodyPr/>
+                        <a:lstStyle/>
+                        <a:p>
+                          <a:pPr algn="ctr"/>
+                          <a:r>
+                            <a:rPr lang="en-US" u="sng" dirty="0"/>
+                            <a:t>Weighted Sum</a:t>
+                          </a:r>
+                          <a:r>
+                            <a:rPr lang="en-US" dirty="0"/>
+                            <a:t>: </a:t>
+                          </a:r>
+                          <a14:m>
+                            <m:oMath xmlns:m="http://schemas.openxmlformats.org/officeDocument/2006/math">
+                              <m:sSub>
+                                <m:sSubPr>
+                                  <m:ctrlPr>
+                                    <a:rPr lang="en-US" b="0" i="1" smtClean="0">
+                                      <a:latin typeface="Cambria Math" panose="02040503050406030204" pitchFamily="18" charset="0"/>
+                                    </a:rPr>
+                                  </m:ctrlPr>
+                                </m:sSubPr>
+                                <m:e>
+                                  <m:r>
+                                    <a:rPr lang="en-US" b="0" i="1" smtClean="0">
+                                      <a:latin typeface="Cambria Math" panose="02040503050406030204" pitchFamily="18" charset="0"/>
+                                    </a:rPr>
+                                    <m:t>𝜉</m:t>
+                                  </m:r>
+                                </m:e>
+                                <m:sub>
+                                  <m:r>
+                                    <a:rPr lang="en-US" b="0" i="1" smtClean="0">
+                                      <a:latin typeface="Cambria Math" panose="02040503050406030204" pitchFamily="18" charset="0"/>
+                                    </a:rPr>
+                                    <m:t>𝑟</m:t>
+                                  </m:r>
+                                </m:sub>
+                              </m:sSub>
+                              <m:r>
+                                <a:rPr lang="en-US" b="0" i="1" smtClean="0">
+                                  <a:latin typeface="Cambria Math" panose="02040503050406030204" pitchFamily="18" charset="0"/>
+                                </a:rPr>
+                                <m:t>=∑</m:t>
+                              </m:r>
+                              <m:sSub>
+                                <m:sSubPr>
+                                  <m:ctrlPr>
+                                    <a:rPr lang="en-US" b="0" i="1" smtClean="0">
+                                      <a:latin typeface="Cambria Math" panose="02040503050406030204" pitchFamily="18" charset="0"/>
+                                    </a:rPr>
+                                  </m:ctrlPr>
+                                </m:sSubPr>
+                                <m:e>
+                                  <m:r>
+                                    <a:rPr lang="en-US" b="0" i="1" smtClean="0">
+                                      <a:latin typeface="Cambria Math" panose="02040503050406030204" pitchFamily="18" charset="0"/>
+                                    </a:rPr>
+                                    <m:t>𝑣</m:t>
+                                  </m:r>
+                                </m:e>
+                                <m:sub>
+                                  <m:r>
+                                    <a:rPr lang="en-US" b="0" i="1" smtClean="0">
+                                      <a:latin typeface="Cambria Math" panose="02040503050406030204" pitchFamily="18" charset="0"/>
+                                    </a:rPr>
+                                    <m:t>𝑟𝑞</m:t>
+                                  </m:r>
+                                </m:sub>
+                              </m:sSub>
+                              <m:sSub>
+                                <m:sSubPr>
+                                  <m:ctrlPr>
+                                    <a:rPr lang="en-US" b="0" i="1" smtClean="0">
+                                      <a:latin typeface="Cambria Math" panose="02040503050406030204" pitchFamily="18" charset="0"/>
+                                    </a:rPr>
+                                  </m:ctrlPr>
+                                </m:sSubPr>
+                                <m:e>
+                                  <m:r>
+                                    <a:rPr lang="en-US" b="0" i="1" smtClean="0">
+                                      <a:latin typeface="Cambria Math" panose="02040503050406030204" pitchFamily="18" charset="0"/>
+                                    </a:rPr>
+                                    <m:t>(</m:t>
+                                  </m:r>
+                                  <m:r>
+                                    <a:rPr lang="en-US" b="0" i="1" smtClean="0">
+                                      <a:latin typeface="Cambria Math" panose="02040503050406030204" pitchFamily="18" charset="0"/>
+                                    </a:rPr>
+                                    <m:t>𝑥</m:t>
+                                  </m:r>
+                                </m:e>
+                                <m:sub>
+                                  <m:r>
+                                    <a:rPr lang="en-US" b="0" i="1" smtClean="0">
+                                      <a:latin typeface="Cambria Math" panose="02040503050406030204" pitchFamily="18" charset="0"/>
+                                    </a:rPr>
+                                    <m:t>𝑞</m:t>
+                                  </m:r>
+                                </m:sub>
+                              </m:sSub>
+                              <m:r>
+                                <a:rPr lang="en-US" b="0" i="1" smtClean="0">
+                                  <a:latin typeface="Cambria Math" panose="02040503050406030204" pitchFamily="18" charset="0"/>
+                                </a:rPr>
+                                <m:t>−</m:t>
+                              </m:r>
+                              <m:sSub>
+                                <m:sSubPr>
+                                  <m:ctrlPr>
+                                    <a:rPr lang="en-US" b="0" i="1" smtClean="0">
+                                      <a:latin typeface="Cambria Math" panose="02040503050406030204" pitchFamily="18" charset="0"/>
+                                    </a:rPr>
+                                  </m:ctrlPr>
+                                </m:sSubPr>
+                                <m:e>
+                                  <m:r>
+                                    <a:rPr lang="en-US" b="0" i="1" smtClean="0">
+                                      <a:latin typeface="Cambria Math" panose="02040503050406030204" pitchFamily="18" charset="0"/>
+                                    </a:rPr>
+                                    <m:t>𝜇</m:t>
+                                  </m:r>
+                                </m:e>
+                                <m:sub>
+                                  <m:r>
+                                    <a:rPr lang="en-US" b="0" i="1" smtClean="0">
+                                      <a:latin typeface="Cambria Math" panose="02040503050406030204" pitchFamily="18" charset="0"/>
+                                    </a:rPr>
+                                    <m:t>𝑞</m:t>
+                                  </m:r>
+                                </m:sub>
+                              </m:sSub>
+                              <m:r>
+                                <a:rPr lang="en-US" b="0" i="1" smtClean="0">
+                                  <a:latin typeface="Cambria Math" panose="02040503050406030204" pitchFamily="18" charset="0"/>
+                                </a:rPr>
+                                <m:t>)</m:t>
+                              </m:r>
+                            </m:oMath>
+                          </a14:m>
+                          <a:endParaRPr lang="en-US" dirty="0"/>
+                        </a:p>
+                      </a:txBody>
+                      <a:tcPr anchor="ctr"/>
+                    </a:tc>
+                    <a:tc>
+                      <a:txBody>
+                        <a:bodyPr/>
+                        <a:lstStyle/>
+                        <a:p>
+                          <a:pPr algn="ctr"/>
+                          <a:r>
+                            <a:rPr lang="en-US" u="sng" dirty="0"/>
+                            <a:t>Integral:</a:t>
+                          </a:r>
+                          <a14:m>
+                            <m:oMath xmlns:m="http://schemas.openxmlformats.org/officeDocument/2006/math">
+                              <m:r>
+                                <a:rPr lang="en-US" b="0" i="0" smtClean="0">
+                                  <a:latin typeface="Cambria Math" panose="02040503050406030204" pitchFamily="18" charset="0"/>
+                                </a:rPr>
+                                <m:t> </m:t>
+                              </m:r>
+                              <m:sSub>
+                                <m:sSubPr>
+                                  <m:ctrlPr>
+                                    <a:rPr lang="en-US" b="0" i="1" smtClean="0">
+                                      <a:latin typeface="Cambria Math" panose="02040503050406030204" pitchFamily="18" charset="0"/>
+                                    </a:rPr>
+                                  </m:ctrlPr>
+                                </m:sSubPr>
+                                <m:e>
+                                  <m:r>
+                                    <a:rPr lang="en-US" b="0" i="1" smtClean="0">
+                                      <a:latin typeface="Cambria Math" panose="02040503050406030204" pitchFamily="18" charset="0"/>
+                                    </a:rPr>
+                                    <m:t>𝜉</m:t>
+                                  </m:r>
+                                </m:e>
+                                <m:sub>
+                                  <m:r>
+                                    <a:rPr lang="en-US" b="0" i="1" smtClean="0">
+                                      <a:latin typeface="Cambria Math" panose="02040503050406030204" pitchFamily="18" charset="0"/>
+                                    </a:rPr>
+                                    <m:t>𝑟</m:t>
+                                  </m:r>
+                                </m:sub>
+                              </m:sSub>
+                              <m:r>
+                                <a:rPr lang="en-US" b="0" i="1" smtClean="0">
+                                  <a:latin typeface="Cambria Math" panose="02040503050406030204" pitchFamily="18" charset="0"/>
+                                </a:rPr>
+                                <m:t>=</m:t>
+                              </m:r>
+                              <m:r>
+                                <a:rPr lang="en-US" b="0" i="1" smtClean="0">
+                                  <a:latin typeface="Cambria Math" panose="02040503050406030204" pitchFamily="18" charset="0"/>
+                                </a:rPr>
+                                <m:t> </m:t>
+                              </m:r>
+                              <m:nary>
+                                <m:naryPr>
+                                  <m:ctrlPr>
+                                    <a:rPr lang="en-US" b="0" i="1" smtClean="0">
+                                      <a:latin typeface="Cambria Math" panose="02040503050406030204" pitchFamily="18" charset="0"/>
+                                    </a:rPr>
+                                  </m:ctrlPr>
+                                </m:naryPr>
+                                <m:sub>
+                                  <m:r>
+                                    <m:rPr>
+                                      <m:brk m:alnAt="23"/>
+                                    </m:rPr>
+                                    <a:rPr lang="en-US" b="0" i="1" smtClean="0">
+                                      <a:latin typeface="Cambria Math" panose="02040503050406030204" pitchFamily="18" charset="0"/>
+                                    </a:rPr>
+                                    <m:t>0</m:t>
+                                  </m:r>
+                                </m:sub>
+                                <m:sup>
+                                  <m:r>
+                                    <a:rPr lang="en-US" b="0" i="1" smtClean="0">
+                                      <a:latin typeface="Cambria Math" panose="02040503050406030204" pitchFamily="18" charset="0"/>
+                                    </a:rPr>
+                                    <m:t>𝑇</m:t>
+                                  </m:r>
+                                </m:sup>
+                                <m:e>
+                                  <m:d>
+                                    <m:dPr>
+                                      <m:ctrlPr>
+                                        <a:rPr lang="en-US" b="0" i="1" smtClean="0">
+                                          <a:latin typeface="Cambria Math" panose="02040503050406030204" pitchFamily="18" charset="0"/>
+                                        </a:rPr>
+                                      </m:ctrlPr>
+                                    </m:dPr>
+                                    <m:e>
+                                      <m:r>
+                                        <a:rPr lang="en-US" b="0" i="1" smtClean="0">
+                                          <a:latin typeface="Cambria Math" panose="02040503050406030204" pitchFamily="18" charset="0"/>
+                                        </a:rPr>
+                                        <m:t>𝑥</m:t>
+                                      </m:r>
+                                      <m:d>
+                                        <m:dPr>
+                                          <m:ctrlPr>
+                                            <a:rPr lang="en-US" b="0" i="1" smtClean="0">
+                                              <a:latin typeface="Cambria Math" panose="02040503050406030204" pitchFamily="18" charset="0"/>
+                                            </a:rPr>
+                                          </m:ctrlPr>
+                                        </m:dPr>
+                                        <m:e>
+                                          <m:r>
+                                            <a:rPr lang="en-US" b="0" i="1" smtClean="0">
+                                              <a:latin typeface="Cambria Math" panose="02040503050406030204" pitchFamily="18" charset="0"/>
+                                            </a:rPr>
+                                            <m:t>𝑡</m:t>
+                                          </m:r>
+                                        </m:e>
+                                      </m:d>
+                                      <m:r>
+                                        <a:rPr lang="en-US" b="0" i="1" smtClean="0">
+                                          <a:latin typeface="Cambria Math" panose="02040503050406030204" pitchFamily="18" charset="0"/>
+                                        </a:rPr>
+                                        <m:t>−</m:t>
+                                      </m:r>
+                                      <m:r>
+                                        <a:rPr lang="en-US" b="0" i="1" smtClean="0">
+                                          <a:latin typeface="Cambria Math" panose="02040503050406030204" pitchFamily="18" charset="0"/>
+                                        </a:rPr>
+                                        <m:t>𝜇</m:t>
+                                      </m:r>
+                                      <m:d>
+                                        <m:dPr>
+                                          <m:ctrlPr>
+                                            <a:rPr lang="en-US" b="0" i="1" smtClean="0">
+                                              <a:latin typeface="Cambria Math" panose="02040503050406030204" pitchFamily="18" charset="0"/>
+                                            </a:rPr>
+                                          </m:ctrlPr>
+                                        </m:dPr>
+                                        <m:e>
+                                          <m:r>
+                                            <a:rPr lang="en-US" b="0" i="1" smtClean="0">
+                                              <a:latin typeface="Cambria Math" panose="02040503050406030204" pitchFamily="18" charset="0"/>
+                                            </a:rPr>
+                                            <m:t>𝑡</m:t>
+                                          </m:r>
+                                        </m:e>
+                                      </m:d>
+                                    </m:e>
+                                  </m:d>
+                                  <m:sSub>
+                                    <m:sSubPr>
+                                      <m:ctrlPr>
+                                        <a:rPr lang="en-US" b="0" i="1" smtClean="0">
+                                          <a:latin typeface="Cambria Math" panose="02040503050406030204" pitchFamily="18" charset="0"/>
+                                        </a:rPr>
+                                      </m:ctrlPr>
+                                    </m:sSubPr>
+                                    <m:e>
+                                      <m:r>
+                                        <a:rPr lang="en-US" b="0" i="1" smtClean="0">
+                                          <a:latin typeface="Cambria Math" panose="02040503050406030204" pitchFamily="18" charset="0"/>
+                                        </a:rPr>
+                                        <m:t>𝜓</m:t>
+                                      </m:r>
+                                    </m:e>
+                                    <m:sub>
+                                      <m:r>
+                                        <a:rPr lang="en-US" b="0" i="1" smtClean="0">
+                                          <a:latin typeface="Cambria Math" panose="02040503050406030204" pitchFamily="18" charset="0"/>
+                                        </a:rPr>
+                                        <m:t>𝑟</m:t>
+                                      </m:r>
+                                    </m:sub>
+                                  </m:sSub>
+                                  <m:d>
+                                    <m:dPr>
+                                      <m:ctrlPr>
+                                        <a:rPr lang="en-US" b="0" i="1" smtClean="0">
+                                          <a:latin typeface="Cambria Math" panose="02040503050406030204" pitchFamily="18" charset="0"/>
+                                        </a:rPr>
+                                      </m:ctrlPr>
+                                    </m:dPr>
+                                    <m:e>
+                                      <m:r>
+                                        <a:rPr lang="en-US" b="0" i="1" smtClean="0">
+                                          <a:latin typeface="Cambria Math" panose="02040503050406030204" pitchFamily="18" charset="0"/>
+                                        </a:rPr>
+                                        <m:t>𝑡</m:t>
+                                      </m:r>
+                                    </m:e>
+                                  </m:d>
+                                  <m:r>
+                                    <m:rPr>
+                                      <m:sty m:val="p"/>
+                                    </m:rPr>
+                                    <a:rPr lang="en-US" b="0" i="0" smtClean="0">
+                                      <a:latin typeface="Cambria Math" panose="02040503050406030204" pitchFamily="18" charset="0"/>
+                                    </a:rPr>
+                                    <m:t>d</m:t>
+                                  </m:r>
+                                  <m:r>
+                                    <a:rPr lang="en-US" b="0" i="1" smtClean="0">
+                                      <a:latin typeface="Cambria Math" panose="02040503050406030204" pitchFamily="18" charset="0"/>
+                                    </a:rPr>
+                                    <m:t>𝑡</m:t>
+                                  </m:r>
+                                </m:e>
+                              </m:nary>
+                            </m:oMath>
+                          </a14:m>
+                          <a:endParaRPr lang="en-US" dirty="0"/>
+                        </a:p>
+                      </a:txBody>
+                      <a:tcPr anchor="ctr"/>
+                    </a:tc>
+                    <a:extLst>
+                      <a:ext uri="{0D108BD9-81ED-4DB2-BD59-A6C34878D82A}">
+                        <a16:rowId xmlns:a16="http://schemas.microsoft.com/office/drawing/2014/main" val="3675124573"/>
+                      </a:ext>
+                    </a:extLst>
+                  </a:tr>
+                </a:tbl>
+              </a:graphicData>
+            </a:graphic>
+          </p:graphicFrame>
         </mc:Choice>
-        <mc:Fallback xmlns="">
-          <p:sp>
-            <p:nvSpPr>
-              <p:cNvPr id="3" name="Content Placeholder 2">
+        <mc:Fallback>
+          <p:graphicFrame>
+            <p:nvGraphicFramePr>
+              <p:cNvPr id="4" name="Content Placeholder 3">
                 <a:extLst>
                   <a:ext uri="{FF2B5EF4-FFF2-40B4-BE49-F238E27FC236}">
-                    <a16:creationId xmlns:a16="http://schemas.microsoft.com/office/drawing/2014/main" id="{79ECB5CE-9DAD-2B1E-F379-9F851125D5F5}"/>
+                    <a16:creationId xmlns:a16="http://schemas.microsoft.com/office/drawing/2014/main" id="{DE34E22A-1E54-4716-DC81-CB06447BC215}"/>
                   </a:ext>
                 </a:extLst>
               </p:cNvPr>
-              <p:cNvSpPr>
-                <a:spLocks noGrp="1" noRot="1" noChangeAspect="1" noMove="1" noResize="1" noEditPoints="1" noAdjustHandles="1" noChangeArrowheads="1" noChangeShapeType="1" noTextEdit="1"/>
-              </p:cNvSpPr>
+              <p:cNvGraphicFramePr>
+                <a:graphicFrameLocks noGrp="1"/>
+              </p:cNvGraphicFramePr>
               <p:nvPr>
                 <p:ph idx="1"/>
+                <p:extLst>
+                  <p:ext uri="{D42A27DB-BD31-4B8C-83A1-F6EECF244321}">
+                    <p14:modId xmlns:p14="http://schemas.microsoft.com/office/powerpoint/2010/main" val="4161775533"/>
+                  </p:ext>
+                </p:extLst>
               </p:nvPr>
-            </p:nvSpPr>
-            <p:spPr>
-              <a:xfrm>
-                <a:off x="838200" y="1498600"/>
-                <a:ext cx="10515600" cy="4678363"/>
-              </a:xfrm>
-              <a:blipFill>
-                <a:blip r:embed="rId2"/>
-                <a:stretch>
-                  <a:fillRect l="-1086" t="-15176"/>
-                </a:stretch>
-              </a:blipFill>
-            </p:spPr>
-            <p:txBody>
-              <a:bodyPr/>
-              <a:lstStyle/>
-              <a:p>
-                <a:r>
-                  <a:rPr lang="en-GB">
-                    <a:noFill/>
-                  </a:rPr>
-                  <a:t> </a:t>
-                </a:r>
-              </a:p>
-            </p:txBody>
-          </p:sp>
+            </p:nvGraphicFramePr>
+            <p:xfrm>
+              <a:off x="838200" y="1825624"/>
+              <a:ext cx="11004396" cy="3585968"/>
+            </p:xfrm>
+            <a:graphic>
+              <a:graphicData uri="http://schemas.openxmlformats.org/drawingml/2006/table">
+                <a:tbl>
+                  <a:tblPr firstRow="1" bandRow="1">
+                    <a:tableStyleId>{5C22544A-7EE6-4342-B048-85BDC9FD1C3A}</a:tableStyleId>
+                  </a:tblPr>
+                  <a:tblGrid>
+                    <a:gridCol w="2763644">
+                      <a:extLst>
+                        <a:ext uri="{9D8B030D-6E8A-4147-A177-3AD203B41FA5}">
+                          <a16:colId xmlns:a16="http://schemas.microsoft.com/office/drawing/2014/main" val="1590279976"/>
+                        </a:ext>
+                      </a:extLst>
+                    </a:gridCol>
+                    <a:gridCol w="3914078">
+                      <a:extLst>
+                        <a:ext uri="{9D8B030D-6E8A-4147-A177-3AD203B41FA5}">
+                          <a16:colId xmlns:a16="http://schemas.microsoft.com/office/drawing/2014/main" val="3553733556"/>
+                        </a:ext>
+                      </a:extLst>
+                    </a:gridCol>
+                    <a:gridCol w="4326674">
+                      <a:extLst>
+                        <a:ext uri="{9D8B030D-6E8A-4147-A177-3AD203B41FA5}">
+                          <a16:colId xmlns:a16="http://schemas.microsoft.com/office/drawing/2014/main" val="88388947"/>
+                        </a:ext>
+                      </a:extLst>
+                    </a:gridCol>
+                  </a:tblGrid>
+                  <a:tr h="457200">
+                    <a:tc>
+                      <a:txBody>
+                        <a:bodyPr/>
+                        <a:lstStyle/>
+                        <a:p>
+                          <a:endParaRPr lang="en-US" dirty="0"/>
+                        </a:p>
+                      </a:txBody>
+                      <a:tcPr/>
+                    </a:tc>
+                    <a:tc>
+                      <a:txBody>
+                        <a:bodyPr/>
+                        <a:lstStyle/>
+                        <a:p>
+                          <a:pPr algn="ctr"/>
+                          <a:r>
+                            <a:rPr lang="en-US" sz="2400" dirty="0"/>
+                            <a:t>Multivariate PCA</a:t>
+                          </a:r>
+                        </a:p>
+                      </a:txBody>
+                      <a:tcPr/>
+                    </a:tc>
+                    <a:tc>
+                      <a:txBody>
+                        <a:bodyPr/>
+                        <a:lstStyle/>
+                        <a:p>
+                          <a:pPr algn="ctr"/>
+                          <a:r>
+                            <a:rPr lang="en-US" sz="2400" dirty="0"/>
+                            <a:t>Functional PCA</a:t>
+                          </a:r>
+                        </a:p>
+                      </a:txBody>
+                      <a:tcPr/>
+                    </a:tc>
+                    <a:extLst>
+                      <a:ext uri="{0D108BD9-81ED-4DB2-BD59-A6C34878D82A}">
+                        <a16:rowId xmlns:a16="http://schemas.microsoft.com/office/drawing/2014/main" val="4140516647"/>
+                      </a:ext>
+                    </a:extLst>
+                  </a:tr>
+                  <a:tr h="780235">
+                    <a:tc>
+                      <a:txBody>
+                        <a:bodyPr/>
+                        <a:lstStyle/>
+                        <a:p>
+                          <a:pPr algn="ctr"/>
+                          <a:r>
+                            <a:rPr lang="en-US" b="1" dirty="0"/>
+                            <a:t>Data Observation</a:t>
+                          </a:r>
+                        </a:p>
+                      </a:txBody>
+                      <a:tcPr anchor="ctr"/>
+                    </a:tc>
+                    <a:tc>
+                      <a:txBody>
+                        <a:bodyPr/>
+                        <a:lstStyle/>
+                        <a:p>
+                          <a:endParaRPr lang="en-US"/>
+                        </a:p>
+                      </a:txBody>
+                      <a:tcPr anchor="ctr">
+                        <a:blipFill>
+                          <a:blip r:embed="rId2"/>
+                          <a:stretch>
+                            <a:fillRect l="-71104" t="-64516" r="-111364" b="-396774"/>
+                          </a:stretch>
+                        </a:blipFill>
+                      </a:tcPr>
+                    </a:tc>
+                    <a:tc>
+                      <a:txBody>
+                        <a:bodyPr/>
+                        <a:lstStyle/>
+                        <a:p>
+                          <a:endParaRPr lang="en-US"/>
+                        </a:p>
+                      </a:txBody>
+                      <a:tcPr anchor="ctr">
+                        <a:blipFill>
+                          <a:blip r:embed="rId2"/>
+                          <a:stretch>
+                            <a:fillRect l="-154545" t="-64516" r="-587" b="-396774"/>
+                          </a:stretch>
+                        </a:blipFill>
+                      </a:tcPr>
+                    </a:tc>
+                    <a:extLst>
+                      <a:ext uri="{0D108BD9-81ED-4DB2-BD59-A6C34878D82A}">
+                        <a16:rowId xmlns:a16="http://schemas.microsoft.com/office/drawing/2014/main" val="3035821055"/>
+                      </a:ext>
+                    </a:extLst>
+                  </a:tr>
+                  <a:tr h="393963">
+                    <a:tc>
+                      <a:txBody>
+                        <a:bodyPr/>
+                        <a:lstStyle/>
+                        <a:p>
+                          <a:pPr algn="ctr"/>
+                          <a:r>
+                            <a:rPr lang="en-US" b="1" dirty="0"/>
+                            <a:t>Mean</a:t>
+                          </a:r>
+                        </a:p>
+                      </a:txBody>
+                      <a:tcPr anchor="ctr"/>
+                    </a:tc>
+                    <a:tc>
+                      <a:txBody>
+                        <a:bodyPr/>
+                        <a:lstStyle/>
+                        <a:p>
+                          <a:endParaRPr lang="en-US"/>
+                        </a:p>
+                      </a:txBody>
+                      <a:tcPr anchor="ctr">
+                        <a:blipFill>
+                          <a:blip r:embed="rId2"/>
+                          <a:stretch>
+                            <a:fillRect l="-71104" t="-329032" r="-111364" b="-693548"/>
+                          </a:stretch>
+                        </a:blipFill>
+                      </a:tcPr>
+                    </a:tc>
+                    <a:tc>
+                      <a:txBody>
+                        <a:bodyPr/>
+                        <a:lstStyle/>
+                        <a:p>
+                          <a:endParaRPr lang="en-US"/>
+                        </a:p>
+                      </a:txBody>
+                      <a:tcPr anchor="ctr">
+                        <a:blipFill>
+                          <a:blip r:embed="rId2"/>
+                          <a:stretch>
+                            <a:fillRect l="-154545" t="-329032" r="-587" b="-693548"/>
+                          </a:stretch>
+                        </a:blipFill>
+                      </a:tcPr>
+                    </a:tc>
+                    <a:extLst>
+                      <a:ext uri="{0D108BD9-81ED-4DB2-BD59-A6C34878D82A}">
+                        <a16:rowId xmlns:a16="http://schemas.microsoft.com/office/drawing/2014/main" val="3806155662"/>
+                      </a:ext>
+                    </a:extLst>
+                  </a:tr>
+                  <a:tr h="393963">
+                    <a:tc>
+                      <a:txBody>
+                        <a:bodyPr/>
+                        <a:lstStyle/>
+                        <a:p>
+                          <a:pPr algn="ctr"/>
+                          <a:r>
+                            <a:rPr lang="en-US" b="1" dirty="0"/>
+                            <a:t>Covariance</a:t>
+                          </a:r>
+                        </a:p>
+                      </a:txBody>
+                      <a:tcPr anchor="ctr"/>
+                    </a:tc>
+                    <a:tc>
+                      <a:txBody>
+                        <a:bodyPr/>
+                        <a:lstStyle/>
+                        <a:p>
+                          <a:endParaRPr lang="en-US"/>
+                        </a:p>
+                      </a:txBody>
+                      <a:tcPr anchor="ctr">
+                        <a:blipFill>
+                          <a:blip r:embed="rId2"/>
+                          <a:stretch>
+                            <a:fillRect l="-71104" t="-429032" r="-111364" b="-593548"/>
+                          </a:stretch>
+                        </a:blipFill>
+                      </a:tcPr>
+                    </a:tc>
+                    <a:tc>
+                      <a:txBody>
+                        <a:bodyPr/>
+                        <a:lstStyle/>
+                        <a:p>
+                          <a:endParaRPr lang="en-US"/>
+                        </a:p>
+                      </a:txBody>
+                      <a:tcPr anchor="ctr">
+                        <a:blipFill>
+                          <a:blip r:embed="rId2"/>
+                          <a:stretch>
+                            <a:fillRect l="-154545" t="-429032" r="-587" b="-593548"/>
+                          </a:stretch>
+                        </a:blipFill>
+                      </a:tcPr>
+                    </a:tc>
+                    <a:extLst>
+                      <a:ext uri="{0D108BD9-81ED-4DB2-BD59-A6C34878D82A}">
+                        <a16:rowId xmlns:a16="http://schemas.microsoft.com/office/drawing/2014/main" val="138513978"/>
+                      </a:ext>
+                    </a:extLst>
+                  </a:tr>
+                  <a:tr h="702522">
+                    <a:tc>
+                      <a:txBody>
+                        <a:bodyPr/>
+                        <a:lstStyle/>
+                        <a:p>
+                          <a:pPr algn="ctr"/>
+                          <a:r>
+                            <a:rPr lang="en-US" b="1" dirty="0"/>
+                            <a:t>Eigenvectors</a:t>
+                          </a:r>
+                        </a:p>
+                      </a:txBody>
+                      <a:tcPr anchor="ctr"/>
+                    </a:tc>
+                    <a:tc>
+                      <a:txBody>
+                        <a:bodyPr/>
+                        <a:lstStyle/>
+                        <a:p>
+                          <a:endParaRPr lang="en-US"/>
+                        </a:p>
+                      </a:txBody>
+                      <a:tcPr anchor="ctr">
+                        <a:blipFill>
+                          <a:blip r:embed="rId2"/>
+                          <a:stretch>
+                            <a:fillRect l="-71104" t="-292857" r="-111364" b="-228571"/>
+                          </a:stretch>
+                        </a:blipFill>
+                      </a:tcPr>
+                    </a:tc>
+                    <a:tc>
+                      <a:txBody>
+                        <a:bodyPr/>
+                        <a:lstStyle/>
+                        <a:p>
+                          <a:endParaRPr lang="en-US"/>
+                        </a:p>
+                      </a:txBody>
+                      <a:tcPr anchor="ctr">
+                        <a:blipFill>
+                          <a:blip r:embed="rId2"/>
+                          <a:stretch>
+                            <a:fillRect l="-154545" t="-292857" r="-587" b="-228571"/>
+                          </a:stretch>
+                        </a:blipFill>
+                      </a:tcPr>
+                    </a:tc>
+                    <a:extLst>
+                      <a:ext uri="{0D108BD9-81ED-4DB2-BD59-A6C34878D82A}">
+                        <a16:rowId xmlns:a16="http://schemas.microsoft.com/office/drawing/2014/main" val="3791348160"/>
+                      </a:ext>
+                    </a:extLst>
+                  </a:tr>
+                  <a:tr h="393963">
+                    <a:tc>
+                      <a:txBody>
+                        <a:bodyPr/>
+                        <a:lstStyle/>
+                        <a:p>
+                          <a:pPr algn="ctr"/>
+                          <a:r>
+                            <a:rPr lang="en-US" b="1" dirty="0"/>
+                            <a:t>Eigenvalues</a:t>
+                          </a:r>
+                        </a:p>
+                      </a:txBody>
+                      <a:tcPr anchor="ctr"/>
+                    </a:tc>
+                    <a:tc>
+                      <a:txBody>
+                        <a:bodyPr/>
+                        <a:lstStyle/>
+                        <a:p>
+                          <a:endParaRPr lang="en-US"/>
+                        </a:p>
+                      </a:txBody>
+                      <a:tcPr anchor="ctr">
+                        <a:blipFill>
+                          <a:blip r:embed="rId2"/>
+                          <a:stretch>
+                            <a:fillRect l="-71104" t="-709677" r="-111364" b="-312903"/>
+                          </a:stretch>
+                        </a:blipFill>
+                      </a:tcPr>
+                    </a:tc>
+                    <a:tc>
+                      <a:txBody>
+                        <a:bodyPr/>
+                        <a:lstStyle/>
+                        <a:p>
+                          <a:endParaRPr lang="en-US"/>
+                        </a:p>
+                      </a:txBody>
+                      <a:tcPr anchor="ctr">
+                        <a:blipFill>
+                          <a:blip r:embed="rId2"/>
+                          <a:stretch>
+                            <a:fillRect l="-154545" t="-709677" r="-587" b="-312903"/>
+                          </a:stretch>
+                        </a:blipFill>
+                      </a:tcPr>
+                    </a:tc>
+                    <a:extLst>
+                      <a:ext uri="{0D108BD9-81ED-4DB2-BD59-A6C34878D82A}">
+                        <a16:rowId xmlns:a16="http://schemas.microsoft.com/office/drawing/2014/main" val="2940652926"/>
+                      </a:ext>
+                    </a:extLst>
+                  </a:tr>
+                  <a:tr h="464122">
+                    <a:tc>
+                      <a:txBody>
+                        <a:bodyPr/>
+                        <a:lstStyle/>
+                        <a:p>
+                          <a:pPr algn="ctr"/>
+                          <a:r>
+                            <a:rPr lang="en-US" b="1" dirty="0"/>
+                            <a:t>Scores</a:t>
+                          </a:r>
+                        </a:p>
+                      </a:txBody>
+                      <a:tcPr anchor="ctr"/>
+                    </a:tc>
+                    <a:tc>
+                      <a:txBody>
+                        <a:bodyPr/>
+                        <a:lstStyle/>
+                        <a:p>
+                          <a:endParaRPr lang="en-US"/>
+                        </a:p>
+                      </a:txBody>
+                      <a:tcPr anchor="ctr">
+                        <a:blipFill>
+                          <a:blip r:embed="rId2"/>
+                          <a:stretch>
+                            <a:fillRect l="-71104" t="-678378" r="-111364" b="-162162"/>
+                          </a:stretch>
+                        </a:blipFill>
+                      </a:tcPr>
+                    </a:tc>
+                    <a:tc>
+                      <a:txBody>
+                        <a:bodyPr/>
+                        <a:lstStyle/>
+                        <a:p>
+                          <a:endParaRPr lang="en-US"/>
+                        </a:p>
+                      </a:txBody>
+                      <a:tcPr anchor="ctr">
+                        <a:blipFill>
+                          <a:blip r:embed="rId2"/>
+                          <a:stretch>
+                            <a:fillRect l="-154545" t="-678378" r="-587" b="-162162"/>
+                          </a:stretch>
+                        </a:blipFill>
+                      </a:tcPr>
+                    </a:tc>
+                    <a:extLst>
+                      <a:ext uri="{0D108BD9-81ED-4DB2-BD59-A6C34878D82A}">
+                        <a16:rowId xmlns:a16="http://schemas.microsoft.com/office/drawing/2014/main" val="3675124573"/>
+                      </a:ext>
+                    </a:extLst>
+                  </a:tr>
+                </a:tbl>
+              </a:graphicData>
+            </a:graphic>
+          </p:graphicFrame>
         </mc:Fallback>
       </mc:AlternateContent>
-      <p:pic>
-        <p:nvPicPr>
-          <p:cNvPr id="5" name="Picture 4">
-            <a:extLst>
-              <a:ext uri="{FF2B5EF4-FFF2-40B4-BE49-F238E27FC236}">
-                <a16:creationId xmlns:a16="http://schemas.microsoft.com/office/drawing/2014/main" id="{5C6785C2-94AD-C141-42B3-0BBD44620291}"/>
-              </a:ext>
-            </a:extLst>
-          </p:cNvPr>
-          <p:cNvPicPr>
-            <a:picLocks noChangeAspect="1"/>
-          </p:cNvPicPr>
-          <p:nvPr/>
-        </p:nvPicPr>
-        <p:blipFill>
-          <a:blip r:embed="rId3"/>
-          <a:stretch>
-            <a:fillRect/>
-          </a:stretch>
-        </p:blipFill>
-        <p:spPr>
-          <a:xfrm>
-            <a:off x="2032000" y="3184242"/>
-            <a:ext cx="8128000" cy="3308633"/>
-          </a:xfrm>
-          <a:prstGeom prst="rect">
-            <a:avLst/>
-          </a:prstGeom>
-        </p:spPr>
-      </p:pic>
-      <p:sp>
-        <p:nvSpPr>
-          <p:cNvPr id="4" name="Rectangle 3">
-            <a:extLst>
-              <a:ext uri="{FF2B5EF4-FFF2-40B4-BE49-F238E27FC236}">
-                <a16:creationId xmlns:a16="http://schemas.microsoft.com/office/drawing/2014/main" id="{E7C44A91-571C-9C82-1255-5908671A4929}"/>
-              </a:ext>
-            </a:extLst>
-          </p:cNvPr>
-          <p:cNvSpPr/>
-          <p:nvPr/>
-        </p:nvSpPr>
-        <p:spPr>
-          <a:xfrm>
-            <a:off x="2032000" y="3094349"/>
-            <a:ext cx="3251200" cy="3488418"/>
-          </a:xfrm>
-          <a:prstGeom prst="rect">
-            <a:avLst/>
-          </a:prstGeom>
-          <a:solidFill>
-            <a:schemeClr val="bg1"/>
-          </a:solidFill>
-          <a:ln>
-            <a:noFill/>
-          </a:ln>
-        </p:spPr>
-        <p:style>
-          <a:lnRef idx="2">
-            <a:schemeClr val="accent1">
-              <a:shade val="15000"/>
-            </a:schemeClr>
-          </a:lnRef>
-          <a:fillRef idx="1">
-            <a:schemeClr val="accent1"/>
-          </a:fillRef>
-          <a:effectRef idx="0">
-            <a:schemeClr val="accent1"/>
-          </a:effectRef>
-          <a:fontRef idx="minor">
-            <a:schemeClr val="lt1"/>
-          </a:fontRef>
-        </p:style>
-        <p:txBody>
-          <a:bodyPr rtlCol="0" anchor="ctr"/>
-          <a:lstStyle/>
-          <a:p>
-            <a:pPr algn="ctr"/>
-            <a:endParaRPr lang="en-GB"/>
-          </a:p>
-        </p:txBody>
-      </p:sp>
-      <p:sp>
-        <p:nvSpPr>
-          <p:cNvPr id="6" name="Rectangle 5">
-            <a:extLst>
-              <a:ext uri="{FF2B5EF4-FFF2-40B4-BE49-F238E27FC236}">
-                <a16:creationId xmlns:a16="http://schemas.microsoft.com/office/drawing/2014/main" id="{A177D58C-8811-C8A7-AC5A-C71E27B46B99}"/>
-              </a:ext>
-            </a:extLst>
-          </p:cNvPr>
-          <p:cNvSpPr/>
-          <p:nvPr/>
-        </p:nvSpPr>
-        <p:spPr>
-          <a:xfrm>
-            <a:off x="5283200" y="3094349"/>
-            <a:ext cx="4978400" cy="3488418"/>
-          </a:xfrm>
-          <a:prstGeom prst="rect">
-            <a:avLst/>
-          </a:prstGeom>
-          <a:solidFill>
-            <a:schemeClr val="bg1"/>
-          </a:solidFill>
-          <a:ln>
-            <a:noFill/>
-          </a:ln>
-        </p:spPr>
-        <p:style>
-          <a:lnRef idx="2">
-            <a:schemeClr val="accent1">
-              <a:shade val="15000"/>
-            </a:schemeClr>
-          </a:lnRef>
-          <a:fillRef idx="1">
-            <a:schemeClr val="accent1"/>
-          </a:fillRef>
-          <a:effectRef idx="0">
-            <a:schemeClr val="accent1"/>
-          </a:effectRef>
-          <a:fontRef idx="minor">
-            <a:schemeClr val="lt1"/>
-          </a:fontRef>
-        </p:style>
-        <p:txBody>
-          <a:bodyPr rtlCol="0" anchor="ctr"/>
-          <a:lstStyle/>
-          <a:p>
-            <a:pPr algn="ctr"/>
-            <a:endParaRPr lang="en-GB"/>
-          </a:p>
-        </p:txBody>
-      </p:sp>
     </p:spTree>
     <p:extLst>
       <p:ext uri="{BB962C8B-B14F-4D97-AF65-F5344CB8AC3E}">
-        <p14:creationId xmlns:p14="http://schemas.microsoft.com/office/powerpoint/2010/main" val="2222870775"/>
+        <p14:creationId xmlns:p14="http://schemas.microsoft.com/office/powerpoint/2010/main" val="1078643893"/>
       </p:ext>
     </p:extLst>
   </p:cSld>
@@ -21421,11 +22499,7 @@
                                           </p:stCondLst>
                                         </p:cTn>
                                         <p:tgtEl>
-                                          <p:spTgt spid="3">
-                                            <p:txEl>
-                                              <p:pRg st="0" end="0"/>
-                                            </p:txEl>
-                                          </p:spTgt>
+                                          <p:spTgt spid="4"/>
                                         </p:tgtEl>
                                         <p:attrNameLst>
                                           <p:attrName>style.visibility</p:attrName>
@@ -21457,7 +22531,7 @@
                             </p:stCondLst>
                             <p:childTnLst>
                               <p:par>
-                                <p:cTn id="9" presetID="1" presetClass="exit" presetSubtype="0" fill="hold" grpId="0" nodeType="clickEffect">
+                                <p:cTn id="9" presetID="1" presetClass="entr" presetSubtype="0" fill="hold" nodeType="clickEffect">
                                   <p:stCondLst>
                                     <p:cond delay="0"/>
                                   </p:stCondLst>
@@ -21477,7 +22551,7 @@
                                         </p:attrNameLst>
                                       </p:cBhvr>
                                       <p:to>
-                                        <p:strVal val="hidden"/>
+                                        <p:strVal val="visible"/>
                                       </p:to>
                                     </p:set>
                                   </p:childTnLst>
@@ -21515,42 +22589,7 @@
                                           </p:stCondLst>
                                         </p:cTn>
                                         <p:tgtEl>
-                                          <p:spTgt spid="3">
-                                            <p:txEl>
-                                              <p:pRg st="1" end="1"/>
-                                            </p:txEl>
-                                          </p:spTgt>
-                                        </p:tgtEl>
-                                        <p:attrNameLst>
-                                          <p:attrName>style.visibility</p:attrName>
-                                        </p:attrNameLst>
-                                      </p:cBhvr>
-                                      <p:to>
-                                        <p:strVal val="visible"/>
-                                      </p:to>
-                                    </p:set>
-                                  </p:childTnLst>
-                                </p:cTn>
-                              </p:par>
-                              <p:par>
-                                <p:cTn id="15" presetID="1" presetClass="entr" presetSubtype="0" fill="hold" nodeType="withEffect">
-                                  <p:stCondLst>
-                                    <p:cond delay="0"/>
-                                  </p:stCondLst>
-                                  <p:childTnLst>
-                                    <p:set>
-                                      <p:cBhvr>
-                                        <p:cTn id="16" dur="1" fill="hold">
-                                          <p:stCondLst>
-                                            <p:cond delay="0"/>
-                                          </p:stCondLst>
-                                        </p:cTn>
-                                        <p:tgtEl>
-                                          <p:spTgt spid="3">
-                                            <p:txEl>
-                                              <p:pRg st="2" end="2"/>
-                                            </p:txEl>
-                                          </p:spTgt>
+                                          <p:spTgt spid="4"/>
                                         </p:tgtEl>
                                         <p:attrNameLst>
                                           <p:attrName>style.visibility</p:attrName>
@@ -21570,39 +22609,129 @@
                     </p:cTn>
                   </p:par>
                   <p:par>
-                    <p:cTn id="17" fill="hold">
+                    <p:cTn id="15" fill="hold">
                       <p:stCondLst>
                         <p:cond delay="indefinite"/>
                       </p:stCondLst>
                       <p:childTnLst>
                         <p:par>
-                          <p:cTn id="18" fill="hold">
+                          <p:cTn id="16" fill="hold">
                             <p:stCondLst>
                               <p:cond delay="0"/>
                             </p:stCondLst>
                             <p:childTnLst>
                               <p:par>
-                                <p:cTn id="19" presetID="1" presetClass="exit" presetSubtype="0" fill="hold" grpId="0" nodeType="clickEffect">
+                                <p:cTn id="17" presetID="1" presetClass="entr" presetSubtype="0" fill="hold" nodeType="clickEffect">
                                   <p:stCondLst>
                                     <p:cond delay="0"/>
                                   </p:stCondLst>
                                   <p:childTnLst>
                                     <p:set>
                                       <p:cBhvr>
-                                        <p:cTn id="20" dur="1" fill="hold">
+                                        <p:cTn id="18" dur="1" fill="hold">
                                           <p:stCondLst>
                                             <p:cond delay="0"/>
                                           </p:stCondLst>
                                         </p:cTn>
                                         <p:tgtEl>
-                                          <p:spTgt spid="6"/>
+                                          <p:spTgt spid="4"/>
                                         </p:tgtEl>
                                         <p:attrNameLst>
                                           <p:attrName>style.visibility</p:attrName>
                                         </p:attrNameLst>
                                       </p:cBhvr>
                                       <p:to>
-                                        <p:strVal val="hidden"/>
+                                        <p:strVal val="visible"/>
+                                      </p:to>
+                                    </p:set>
+                                  </p:childTnLst>
+                                </p:cTn>
+                              </p:par>
+                            </p:childTnLst>
+                          </p:cTn>
+                        </p:par>
+                      </p:childTnLst>
+                    </p:cTn>
+                  </p:par>
+                  <p:par>
+                    <p:cTn id="19" fill="hold">
+                      <p:stCondLst>
+                        <p:cond delay="indefinite"/>
+                      </p:stCondLst>
+                      <p:childTnLst>
+                        <p:par>
+                          <p:cTn id="20" fill="hold">
+                            <p:stCondLst>
+                              <p:cond delay="0"/>
+                            </p:stCondLst>
+                            <p:childTnLst>
+                              <p:par>
+                                <p:cTn id="21" presetID="1" presetClass="entr" presetSubtype="0" fill="hold" nodeType="clickEffect">
+                                  <p:stCondLst>
+                                    <p:cond delay="0"/>
+                                  </p:stCondLst>
+                                  <p:childTnLst>
+                                    <p:set>
+                                      <p:cBhvr>
+                                        <p:cTn id="22" dur="1" fill="hold">
+                                          <p:stCondLst>
+                                            <p:cond delay="0"/>
+                                          </p:stCondLst>
+                                        </p:cTn>
+                                        <p:tgtEl>
+                                          <p:spTgt spid="4"/>
+                                        </p:tgtEl>
+                                        <p:attrNameLst>
+                                          <p:attrName>style.visibility</p:attrName>
+                                        </p:attrNameLst>
+                                      </p:cBhvr>
+                                      <p:to>
+                                        <p:strVal val="visible"/>
+                                      </p:to>
+                                    </p:set>
+                                  </p:childTnLst>
+                                </p:cTn>
+                              </p:par>
+                            </p:childTnLst>
+                          </p:cTn>
+                        </p:par>
+                      </p:childTnLst>
+                    </p:cTn>
+                  </p:par>
+                  <p:par>
+                    <p:cTn id="23" fill="hold">
+                      <p:stCondLst>
+                        <p:cond delay="indefinite"/>
+                      </p:stCondLst>
+                      <p:childTnLst>
+                        <p:par>
+                          <p:cTn id="24" fill="hold">
+                            <p:stCondLst>
+                              <p:cond delay="0"/>
+                            </p:stCondLst>
+                            <p:childTnLst>
+                              <p:par>
+                                <p:cTn id="25" presetID="1" presetClass="entr" presetSubtype="0" fill="hold" nodeType="clickEffect">
+                                  <p:stCondLst>
+                                    <p:cond delay="0"/>
+                                  </p:stCondLst>
+                                  <p:childTnLst>
+                                    <p:set>
+                                      <p:cBhvr>
+                                        <p:cTn id="26" dur="1" fill="hold">
+                                          <p:stCondLst>
+                                            <p:cond delay="0"/>
+                                          </p:stCondLst>
+                                        </p:cTn>
+                                        <p:tgtEl>
+                                          <p:spTgt spid="4"/>
+                                        </p:tgtEl>
+                                        <p:attrNameLst>
+                                          <p:attrName>style.visibility</p:attrName>
+                                        </p:attrNameLst>
+                                      </p:cBhvr>
+                                      <p:to>
+                                        <p:strVal val="visible"/>
                                       </p:to>
                                     </p:set>
                                   </p:childTnLst>
@@ -21635,16 +22764,12 @@
         </p:cTn>
       </p:par>
     </p:tnLst>
-    <p:bldLst>
-      <p:bldP spid="4" grpId="0" animBg="1"/>
-      <p:bldP spid="6" grpId="0" animBg="1"/>
-    </p:bldLst>
   </p:timing>
 </p:sld>
 </file>
 
 <file path=ppt/slides/slide5.xml><?xml version="1.0" encoding="utf-8"?>
-<p:sld xmlns:a="http://schemas.openxmlformats.org/drawingml/2006/main" xmlns:r="http://schemas.openxmlformats.org/officeDocument/2006/relationships" xmlns:p="http://schemas.openxmlformats.org/presentationml/2006/main">
+<p:sld xmlns:a="http://schemas.openxmlformats.org/drawingml/2006/main" xmlns:r="http://schemas.openxmlformats.org/officeDocument/2006/relationships" xmlns:p="http://schemas.openxmlformats.org/presentationml/2006/main" show="0">
   <p:cSld>
     <p:spTree>
       <p:nvGrpSpPr>
@@ -21688,8 +22813,8 @@
           </a:p>
         </p:txBody>
       </p:sp>
-      <mc:AlternateContent xmlns:mc="http://schemas.openxmlformats.org/markup-compatibility/2006">
-        <mc:Choice xmlns:a14="http://schemas.microsoft.com/office/drawing/2010/main" Requires="a14">
+      <mc:AlternateContent xmlns:mc="http://schemas.openxmlformats.org/markup-compatibility/2006" xmlns:a14="http://schemas.microsoft.com/office/drawing/2010/main">
+        <mc:Choice Requires="a14">
           <p:sp>
             <p:nvSpPr>
               <p:cNvPr id="3" name="Content Placeholder 2">
@@ -22260,7 +23385,7 @@
             </p:txBody>
           </p:sp>
         </mc:Choice>
-        <mc:Fallback>
+        <mc:Fallback xmlns="">
           <p:sp>
             <p:nvSpPr>
               <p:cNvPr id="3" name="Content Placeholder 2">
